--- a/移动互联网.pptx
+++ b/移动互联网.pptx
@@ -5,19 +5,18 @@
     <p:sldMasterId id="2147483676" r:id="rId1"/>
   </p:sldMasterIdLst>
   <p:notesMasterIdLst>
-    <p:notesMasterId r:id="rId12"/>
+    <p:notesMasterId r:id="rId11"/>
   </p:notesMasterIdLst>
   <p:sldIdLst>
-    <p:sldId id="301" r:id="rId2"/>
-    <p:sldId id="284" r:id="rId3"/>
-    <p:sldId id="267" r:id="rId4"/>
-    <p:sldId id="303" r:id="rId5"/>
-    <p:sldId id="302" r:id="rId6"/>
-    <p:sldId id="304" r:id="rId7"/>
-    <p:sldId id="306" r:id="rId8"/>
-    <p:sldId id="307" r:id="rId9"/>
-    <p:sldId id="308" r:id="rId10"/>
-    <p:sldId id="282" r:id="rId11"/>
+    <p:sldId id="284" r:id="rId2"/>
+    <p:sldId id="267" r:id="rId3"/>
+    <p:sldId id="303" r:id="rId4"/>
+    <p:sldId id="302" r:id="rId5"/>
+    <p:sldId id="304" r:id="rId6"/>
+    <p:sldId id="306" r:id="rId7"/>
+    <p:sldId id="307" r:id="rId8"/>
+    <p:sldId id="308" r:id="rId9"/>
+    <p:sldId id="282" r:id="rId10"/>
   </p:sldIdLst>
   <p:sldSz cx="12436475" cy="6994525"/>
   <p:notesSz cx="6858000" cy="9144000"/>
@@ -119,11 +118,6 @@
   <p:extLst>
     <p:ext uri="{521415D9-36F7-43E2-AB2F-B90AF26B5E84}">
       <p14:sectionLst xmlns:p14="http://schemas.microsoft.com/office/powerpoint/2010/main">
-        <p14:section name="Instructions" id="{9508A1C3-B7C8-C64E-9FFA-E05898E13AD5}">
-          <p14:sldIdLst>
-            <p14:sldId id="301"/>
-          </p14:sldIdLst>
-        </p14:section>
         <p14:section name="Main" id="{9BD64746-1A7C-4B76-A02E-A8C0D1B4344D}">
           <p14:sldIdLst>
             <p14:sldId id="284"/>
@@ -584,7 +578,7 @@
     </p:spTree>
     <p:extLst>
       <p:ext uri="{BB962C8B-B14F-4D97-AF65-F5344CB8AC3E}">
-        <p14:creationId xmlns:p14="http://schemas.microsoft.com/office/powerpoint/2010/main" val="4048349890"/>
+        <p14:creationId xmlns:p14="http://schemas.microsoft.com/office/powerpoint/2010/main" val="1507852597"/>
       </p:ext>
     </p:extLst>
   </p:cSld>
@@ -668,7 +662,7 @@
     </p:spTree>
     <p:extLst>
       <p:ext uri="{BB962C8B-B14F-4D97-AF65-F5344CB8AC3E}">
-        <p14:creationId xmlns:p14="http://schemas.microsoft.com/office/powerpoint/2010/main" val="1507852597"/>
+        <p14:creationId xmlns:p14="http://schemas.microsoft.com/office/powerpoint/2010/main" val="1928290052"/>
       </p:ext>
     </p:extLst>
   </p:cSld>
@@ -743,91 +737,7 @@
           <a:p>
             <a:fld id="{5F2D3714-B553-A044-BA72-366907BA36B5}" type="slidenum">
               <a:rPr lang="en-US" smtClean="0"/>
-              <a:t>3</a:t>
-            </a:fld>
-            <a:endParaRPr lang="en-US"/>
-          </a:p>
-        </p:txBody>
-      </p:sp>
-    </p:spTree>
-    <p:extLst>
-      <p:ext uri="{BB962C8B-B14F-4D97-AF65-F5344CB8AC3E}">
-        <p14:creationId xmlns:p14="http://schemas.microsoft.com/office/powerpoint/2010/main" val="1928290052"/>
-      </p:ext>
-    </p:extLst>
-  </p:cSld>
-  <p:clrMapOvr>
-    <a:masterClrMapping/>
-  </p:clrMapOvr>
-</p:notes>
-</file>
-
-<file path=ppt/notesSlides/notesSlide4.xml><?xml version="1.0" encoding="utf-8"?>
-<p:notes xmlns:a="http://schemas.openxmlformats.org/drawingml/2006/main" xmlns:r="http://schemas.openxmlformats.org/officeDocument/2006/relationships" xmlns:p="http://schemas.openxmlformats.org/presentationml/2006/main">
-  <p:cSld>
-    <p:spTree>
-      <p:nvGrpSpPr>
-        <p:cNvPr id="1" name=""/>
-        <p:cNvGrpSpPr/>
-        <p:nvPr/>
-      </p:nvGrpSpPr>
-      <p:grpSpPr>
-        <a:xfrm>
-          <a:off x="0" y="0"/>
-          <a:ext cx="0" cy="0"/>
-          <a:chOff x="0" y="0"/>
-          <a:chExt cx="0" cy="0"/>
-        </a:xfrm>
-      </p:grpSpPr>
-      <p:sp>
-        <p:nvSpPr>
-          <p:cNvPr id="2" name="Slide Image Placeholder 1"/>
-          <p:cNvSpPr>
-            <a:spLocks noGrp="1" noRot="1" noChangeAspect="1"/>
-          </p:cNvSpPr>
-          <p:nvPr>
-            <p:ph type="sldImg"/>
-          </p:nvPr>
-        </p:nvSpPr>
-        <p:spPr/>
-      </p:sp>
-      <p:sp>
-        <p:nvSpPr>
-          <p:cNvPr id="3" name="Notes Placeholder 2"/>
-          <p:cNvSpPr>
-            <a:spLocks noGrp="1"/>
-          </p:cNvSpPr>
-          <p:nvPr>
-            <p:ph type="body" idx="1"/>
-          </p:nvPr>
-        </p:nvSpPr>
-        <p:spPr/>
-        <p:txBody>
-          <a:bodyPr/>
-          <a:lstStyle/>
-          <a:p>
-            <a:endParaRPr lang="en-US"/>
-          </a:p>
-        </p:txBody>
-      </p:sp>
-      <p:sp>
-        <p:nvSpPr>
-          <p:cNvPr id="4" name="Slide Number Placeholder 3"/>
-          <p:cNvSpPr>
-            <a:spLocks noGrp="1"/>
-          </p:cNvSpPr>
-          <p:nvPr>
-            <p:ph type="sldNum" sz="quarter" idx="10"/>
-          </p:nvPr>
-        </p:nvSpPr>
-        <p:spPr/>
-        <p:txBody>
-          <a:bodyPr/>
-          <a:lstStyle/>
-          <a:p>
-            <a:fld id="{5F2D3714-B553-A044-BA72-366907BA36B5}" type="slidenum">
-              <a:rPr lang="en-US" smtClean="0"/>
-              <a:t>10</a:t>
+              <a:t>9</a:t>
             </a:fld>
             <a:endParaRPr lang="en-US"/>
           </a:p>
@@ -6751,2215 +6661,6 @@
 </file>
 
 <file path=ppt/slides/slide1.xml><?xml version="1.0" encoding="utf-8"?>
-<p:sld xmlns:a="http://schemas.openxmlformats.org/drawingml/2006/main" xmlns:r="http://schemas.openxmlformats.org/officeDocument/2006/relationships" xmlns:p="http://schemas.openxmlformats.org/presentationml/2006/main" show="0">
-  <p:cSld>
-    <p:spTree>
-      <p:nvGrpSpPr>
-        <p:cNvPr id="1" name=""/>
-        <p:cNvGrpSpPr/>
-        <p:nvPr/>
-      </p:nvGrpSpPr>
-      <p:grpSpPr>
-        <a:xfrm>
-          <a:off x="0" y="0"/>
-          <a:ext cx="0" cy="0"/>
-          <a:chOff x="0" y="0"/>
-          <a:chExt cx="0" cy="0"/>
-        </a:xfrm>
-      </p:grpSpPr>
-      <p:grpSp>
-        <p:nvGrpSpPr>
-          <p:cNvPr id="24" name="Group 23">
-            <a:extLst>
-              <a:ext uri="{FF2B5EF4-FFF2-40B4-BE49-F238E27FC236}">
-                <a16:creationId xmlns:a16="http://schemas.microsoft.com/office/drawing/2014/main" id="{61D4D7C7-ECC9-4819-AE70-4FD943F8966C}"/>
-              </a:ext>
-            </a:extLst>
-          </p:cNvPr>
-          <p:cNvGrpSpPr/>
-          <p:nvPr/>
-        </p:nvGrpSpPr>
-        <p:grpSpPr>
-          <a:xfrm>
-            <a:off x="434850" y="4587876"/>
-            <a:ext cx="11563475" cy="1963737"/>
-            <a:chOff x="434850" y="4581526"/>
-            <a:chExt cx="11563475" cy="1963736"/>
-          </a:xfrm>
-        </p:grpSpPr>
-        <p:grpSp>
-          <p:nvGrpSpPr>
-            <p:cNvPr id="11" name="Group 10">
-              <a:extLst>
-                <a:ext uri="{FF2B5EF4-FFF2-40B4-BE49-F238E27FC236}">
-                  <a16:creationId xmlns:a16="http://schemas.microsoft.com/office/drawing/2014/main" id="{F5EA04B4-F12A-4C02-9D16-3DE73BACB42E}"/>
-                </a:ext>
-              </a:extLst>
-            </p:cNvPr>
-            <p:cNvGrpSpPr/>
-            <p:nvPr/>
-          </p:nvGrpSpPr>
-          <p:grpSpPr>
-            <a:xfrm>
-              <a:off x="434850" y="4581526"/>
-              <a:ext cx="11563474" cy="1066383"/>
-              <a:chOff x="427067" y="4495456"/>
-              <a:chExt cx="11550201" cy="1134990"/>
-            </a:xfrm>
-          </p:grpSpPr>
-          <p:sp>
-            <p:nvSpPr>
-              <p:cNvPr id="4" name="Rectangle 3">
-                <a:extLst>
-                  <a:ext uri="{FF2B5EF4-FFF2-40B4-BE49-F238E27FC236}">
-                    <a16:creationId xmlns:a16="http://schemas.microsoft.com/office/drawing/2014/main" id="{D051EDF4-2ABE-45CB-AEB7-A4014DFF6AEB}"/>
-                  </a:ext>
-                </a:extLst>
-              </p:cNvPr>
-              <p:cNvSpPr/>
-              <p:nvPr/>
-            </p:nvSpPr>
-            <p:spPr bwMode="auto">
-              <a:xfrm>
-                <a:off x="427067" y="4495456"/>
-                <a:ext cx="2891967" cy="1134990"/>
-              </a:xfrm>
-              <a:prstGeom prst="rect">
-                <a:avLst/>
-              </a:prstGeom>
-              <a:solidFill>
-                <a:srgbClr val="00BCF2"/>
-              </a:solidFill>
-              <a:ln>
-                <a:noFill/>
-                <a:headEnd type="none" w="med" len="med"/>
-                <a:tailEnd type="none" w="med" len="med"/>
-              </a:ln>
-              <a:effectLst/>
-            </p:spPr>
-            <p:style>
-              <a:lnRef idx="1">
-                <a:schemeClr val="accent2"/>
-              </a:lnRef>
-              <a:fillRef idx="3">
-                <a:schemeClr val="accent2"/>
-              </a:fillRef>
-              <a:effectRef idx="2">
-                <a:schemeClr val="accent2"/>
-              </a:effectRef>
-              <a:fontRef idx="minor">
-                <a:schemeClr val="lt1"/>
-              </a:fontRef>
-            </p:style>
-            <p:txBody>
-              <a:bodyPr rot="0" spcFirstLastPara="0" vertOverflow="overflow" horzOverflow="overflow" vert="horz" wrap="square" lIns="91440" tIns="91440" rIns="91440" bIns="91440" numCol="1" spcCol="0" rtlCol="0" fromWordArt="0" anchor="t" anchorCtr="0" forceAA="0" compatLnSpc="1">
-                <a:prstTxWarp prst="textNoShape">
-                  <a:avLst/>
-                </a:prstTxWarp>
-                <a:noAutofit/>
-              </a:bodyPr>
-              <a:lstStyle/>
-              <a:p>
-                <a:pPr defTabSz="932472" fontAlgn="base">
-                  <a:spcBef>
-                    <a:spcPct val="0"/>
-                  </a:spcBef>
-                  <a:spcAft>
-                    <a:spcPts val="100"/>
-                  </a:spcAft>
-                </a:pPr>
-                <a:r>
-                  <a:rPr lang="en-US" sz="800" b="1" dirty="0">
-                    <a:solidFill>
-                      <a:srgbClr val="282828"/>
-                    </a:solidFill>
-                    <a:ea typeface="Segoe UI" pitchFamily="34" charset="0"/>
-                    <a:cs typeface="Segoe UI" pitchFamily="34" charset="0"/>
-                  </a:rPr>
-                  <a:t>Light Blue</a:t>
-                </a:r>
-              </a:p>
-              <a:p>
-                <a:pPr defTabSz="932472" fontAlgn="base">
-                  <a:spcBef>
-                    <a:spcPct val="0"/>
-                  </a:spcBef>
-                  <a:spcAft>
-                    <a:spcPts val="100"/>
-                  </a:spcAft>
-                </a:pPr>
-                <a:r>
-                  <a:rPr lang="en-US" sz="800" dirty="0">
-                    <a:solidFill>
-                      <a:srgbClr val="282828"/>
-                    </a:solidFill>
-                    <a:ea typeface="Segoe UI" pitchFamily="34" charset="0"/>
-                    <a:cs typeface="Segoe UI" pitchFamily="34" charset="0"/>
-                  </a:rPr>
-                  <a:t>R0 G188 B242</a:t>
-                </a:r>
-              </a:p>
-              <a:p>
-                <a:pPr defTabSz="932472" fontAlgn="base">
-                  <a:spcBef>
-                    <a:spcPct val="0"/>
-                  </a:spcBef>
-                  <a:spcAft>
-                    <a:spcPts val="100"/>
-                  </a:spcAft>
-                </a:pPr>
-                <a:r>
-                  <a:rPr lang="en-US" sz="800" dirty="0">
-                    <a:solidFill>
-                      <a:srgbClr val="282828"/>
-                    </a:solidFill>
-                    <a:ea typeface="Segoe UI" pitchFamily="34" charset="0"/>
-                    <a:cs typeface="Segoe UI" pitchFamily="34" charset="0"/>
-                  </a:rPr>
-                  <a:t>Hex #00BCF2</a:t>
-                </a:r>
-              </a:p>
-              <a:p>
-                <a:pPr defTabSz="932472" fontAlgn="base">
-                  <a:spcBef>
-                    <a:spcPct val="0"/>
-                  </a:spcBef>
-                  <a:spcAft>
-                    <a:spcPts val="100"/>
-                  </a:spcAft>
-                </a:pPr>
-                <a:r>
-                  <a:rPr lang="en-US" sz="800" dirty="0">
-                    <a:solidFill>
-                      <a:srgbClr val="282828"/>
-                    </a:solidFill>
-                    <a:ea typeface="Segoe UI" pitchFamily="34" charset="0"/>
-                    <a:cs typeface="Segoe UI" pitchFamily="34" charset="0"/>
-                  </a:rPr>
-                  <a:t>C100 M0 Y0 K0</a:t>
-                </a:r>
-              </a:p>
-              <a:p>
-                <a:pPr defTabSz="932472" fontAlgn="base">
-                  <a:spcBef>
-                    <a:spcPct val="0"/>
-                  </a:spcBef>
-                  <a:spcAft>
-                    <a:spcPts val="100"/>
-                  </a:spcAft>
-                </a:pPr>
-                <a:r>
-                  <a:rPr lang="en-US" sz="800" dirty="0">
-                    <a:solidFill>
-                      <a:srgbClr val="282828"/>
-                    </a:solidFill>
-                    <a:ea typeface="Segoe UI" pitchFamily="34" charset="0"/>
-                    <a:cs typeface="Segoe UI" pitchFamily="34" charset="0"/>
-                  </a:rPr>
-                  <a:t>Process Cyan</a:t>
-                </a:r>
-              </a:p>
-            </p:txBody>
-          </p:sp>
-          <p:sp>
-            <p:nvSpPr>
-              <p:cNvPr id="8" name="Rectangle 7">
-                <a:extLst>
-                  <a:ext uri="{FF2B5EF4-FFF2-40B4-BE49-F238E27FC236}">
-                    <a16:creationId xmlns:a16="http://schemas.microsoft.com/office/drawing/2014/main" id="{94725708-C8BB-4961-A972-76C6DD3E4FF3}"/>
-                  </a:ext>
-                </a:extLst>
-              </p:cNvPr>
-              <p:cNvSpPr/>
-              <p:nvPr/>
-            </p:nvSpPr>
-            <p:spPr bwMode="auto">
-              <a:xfrm>
-                <a:off x="3319437" y="4495456"/>
-                <a:ext cx="2891967" cy="1134990"/>
-              </a:xfrm>
-              <a:prstGeom prst="rect">
-                <a:avLst/>
-              </a:prstGeom>
-              <a:solidFill>
-                <a:srgbClr val="0078D7"/>
-              </a:solidFill>
-              <a:ln>
-                <a:noFill/>
-                <a:headEnd type="none" w="med" len="med"/>
-                <a:tailEnd type="none" w="med" len="med"/>
-              </a:ln>
-              <a:effectLst/>
-            </p:spPr>
-            <p:style>
-              <a:lnRef idx="1">
-                <a:schemeClr val="accent2"/>
-              </a:lnRef>
-              <a:fillRef idx="3">
-                <a:schemeClr val="accent2"/>
-              </a:fillRef>
-              <a:effectRef idx="2">
-                <a:schemeClr val="accent2"/>
-              </a:effectRef>
-              <a:fontRef idx="minor">
-                <a:schemeClr val="lt1"/>
-              </a:fontRef>
-            </p:style>
-            <p:txBody>
-              <a:bodyPr rot="0" spcFirstLastPara="0" vertOverflow="overflow" horzOverflow="overflow" vert="horz" wrap="square" lIns="91440" tIns="91440" rIns="91440" bIns="91440" numCol="1" spcCol="0" rtlCol="0" fromWordArt="0" anchor="t" anchorCtr="0" forceAA="0" compatLnSpc="1">
-                <a:prstTxWarp prst="textNoShape">
-                  <a:avLst/>
-                </a:prstTxWarp>
-                <a:noAutofit/>
-              </a:bodyPr>
-              <a:lstStyle/>
-              <a:p>
-                <a:pPr defTabSz="932472" fontAlgn="base">
-                  <a:spcBef>
-                    <a:spcPct val="0"/>
-                  </a:spcBef>
-                  <a:spcAft>
-                    <a:spcPts val="100"/>
-                  </a:spcAft>
-                </a:pPr>
-                <a:r>
-                  <a:rPr lang="en-US" sz="800" b="1" dirty="0">
-                    <a:solidFill>
-                      <a:schemeClr val="bg2"/>
-                    </a:solidFill>
-                    <a:ea typeface="Segoe UI" pitchFamily="34" charset="0"/>
-                    <a:cs typeface="Segoe UI" pitchFamily="34" charset="0"/>
-                  </a:rPr>
-                  <a:t>Blue</a:t>
-                </a:r>
-              </a:p>
-              <a:p>
-                <a:pPr defTabSz="932472" fontAlgn="base">
-                  <a:spcBef>
-                    <a:spcPct val="0"/>
-                  </a:spcBef>
-                  <a:spcAft>
-                    <a:spcPts val="100"/>
-                  </a:spcAft>
-                </a:pPr>
-                <a:r>
-                  <a:rPr lang="en-US" sz="800" dirty="0">
-                    <a:solidFill>
-                      <a:schemeClr val="bg2"/>
-                    </a:solidFill>
-                    <a:ea typeface="Segoe UI" pitchFamily="34" charset="0"/>
-                    <a:cs typeface="Segoe UI" pitchFamily="34" charset="0"/>
-                  </a:rPr>
-                  <a:t>R0 G120 B212</a:t>
-                </a:r>
-              </a:p>
-              <a:p>
-                <a:pPr defTabSz="932472" fontAlgn="base">
-                  <a:spcBef>
-                    <a:spcPct val="0"/>
-                  </a:spcBef>
-                  <a:spcAft>
-                    <a:spcPts val="100"/>
-                  </a:spcAft>
-                </a:pPr>
-                <a:r>
-                  <a:rPr lang="en-US" sz="800" dirty="0">
-                    <a:solidFill>
-                      <a:schemeClr val="bg2"/>
-                    </a:solidFill>
-                    <a:ea typeface="Segoe UI" pitchFamily="34" charset="0"/>
-                    <a:cs typeface="Segoe UI" pitchFamily="34" charset="0"/>
-                  </a:rPr>
-                  <a:t>Hex #0078D4</a:t>
-                </a:r>
-              </a:p>
-              <a:p>
-                <a:pPr defTabSz="932472" fontAlgn="base">
-                  <a:spcBef>
-                    <a:spcPct val="0"/>
-                  </a:spcBef>
-                  <a:spcAft>
-                    <a:spcPts val="100"/>
-                  </a:spcAft>
-                </a:pPr>
-                <a:r>
-                  <a:rPr lang="en-US" sz="800" dirty="0">
-                    <a:solidFill>
-                      <a:schemeClr val="bg2"/>
-                    </a:solidFill>
-                    <a:ea typeface="Segoe UI" pitchFamily="34" charset="0"/>
-                    <a:cs typeface="Segoe UI" pitchFamily="34" charset="0"/>
-                  </a:rPr>
-                  <a:t>C100 M30 Y0 K0</a:t>
-                </a:r>
-              </a:p>
-              <a:p>
-                <a:pPr defTabSz="932472" fontAlgn="base">
-                  <a:spcBef>
-                    <a:spcPct val="0"/>
-                  </a:spcBef>
-                  <a:spcAft>
-                    <a:spcPts val="100"/>
-                  </a:spcAft>
-                </a:pPr>
-                <a:r>
-                  <a:rPr lang="en-US" sz="800" dirty="0">
-                    <a:solidFill>
-                      <a:schemeClr val="bg2"/>
-                    </a:solidFill>
-                    <a:ea typeface="Segoe UI" pitchFamily="34" charset="0"/>
-                    <a:cs typeface="Segoe UI" pitchFamily="34" charset="0"/>
-                  </a:rPr>
-                  <a:t>Pantone 3005</a:t>
-                </a:r>
-              </a:p>
-            </p:txBody>
-          </p:sp>
-          <p:sp>
-            <p:nvSpPr>
-              <p:cNvPr id="9" name="Rectangle 8">
-                <a:extLst>
-                  <a:ext uri="{FF2B5EF4-FFF2-40B4-BE49-F238E27FC236}">
-                    <a16:creationId xmlns:a16="http://schemas.microsoft.com/office/drawing/2014/main" id="{17CB295C-2D2C-478E-8C7C-EAFE26EDF8F3}"/>
-                  </a:ext>
-                </a:extLst>
-              </p:cNvPr>
-              <p:cNvSpPr/>
-              <p:nvPr/>
-            </p:nvSpPr>
-            <p:spPr bwMode="auto">
-              <a:xfrm>
-                <a:off x="6211807" y="4495456"/>
-                <a:ext cx="2891967" cy="1134990"/>
-              </a:xfrm>
-              <a:prstGeom prst="rect">
-                <a:avLst/>
-              </a:prstGeom>
-              <a:solidFill>
-                <a:srgbClr val="00188F"/>
-              </a:solidFill>
-              <a:ln>
-                <a:noFill/>
-                <a:headEnd type="none" w="med" len="med"/>
-                <a:tailEnd type="none" w="med" len="med"/>
-              </a:ln>
-              <a:effectLst/>
-            </p:spPr>
-            <p:style>
-              <a:lnRef idx="1">
-                <a:schemeClr val="accent2"/>
-              </a:lnRef>
-              <a:fillRef idx="3">
-                <a:schemeClr val="accent2"/>
-              </a:fillRef>
-              <a:effectRef idx="2">
-                <a:schemeClr val="accent2"/>
-              </a:effectRef>
-              <a:fontRef idx="minor">
-                <a:schemeClr val="lt1"/>
-              </a:fontRef>
-            </p:style>
-            <p:txBody>
-              <a:bodyPr rot="0" spcFirstLastPara="0" vertOverflow="overflow" horzOverflow="overflow" vert="horz" wrap="square" lIns="91440" tIns="91440" rIns="91440" bIns="91440" numCol="1" spcCol="0" rtlCol="0" fromWordArt="0" anchor="t" anchorCtr="0" forceAA="0" compatLnSpc="1">
-                <a:prstTxWarp prst="textNoShape">
-                  <a:avLst/>
-                </a:prstTxWarp>
-                <a:noAutofit/>
-              </a:bodyPr>
-              <a:lstStyle/>
-              <a:p>
-                <a:pPr defTabSz="932472" fontAlgn="base">
-                  <a:spcBef>
-                    <a:spcPct val="0"/>
-                  </a:spcBef>
-                  <a:spcAft>
-                    <a:spcPts val="100"/>
-                  </a:spcAft>
-                </a:pPr>
-                <a:r>
-                  <a:rPr lang="en-US" sz="800" b="1" dirty="0">
-                    <a:solidFill>
-                      <a:schemeClr val="bg2"/>
-                    </a:solidFill>
-                    <a:ea typeface="Segoe UI" pitchFamily="34" charset="0"/>
-                    <a:cs typeface="Segoe UI" pitchFamily="34" charset="0"/>
-                  </a:rPr>
-                  <a:t>Mid Blue</a:t>
-                </a:r>
-              </a:p>
-              <a:p>
-                <a:pPr defTabSz="932472" fontAlgn="base">
-                  <a:spcBef>
-                    <a:spcPct val="0"/>
-                  </a:spcBef>
-                  <a:spcAft>
-                    <a:spcPts val="100"/>
-                  </a:spcAft>
-                </a:pPr>
-                <a:r>
-                  <a:rPr lang="en-US" sz="800" dirty="0">
-                    <a:solidFill>
-                      <a:schemeClr val="bg2"/>
-                    </a:solidFill>
-                    <a:ea typeface="Segoe UI" pitchFamily="34" charset="0"/>
-                    <a:cs typeface="Segoe UI" pitchFamily="34" charset="0"/>
-                  </a:rPr>
-                  <a:t>R0 G24 B243</a:t>
-                </a:r>
-              </a:p>
-              <a:p>
-                <a:pPr defTabSz="932472" fontAlgn="base">
-                  <a:spcBef>
-                    <a:spcPct val="0"/>
-                  </a:spcBef>
-                  <a:spcAft>
-                    <a:spcPts val="100"/>
-                  </a:spcAft>
-                </a:pPr>
-                <a:r>
-                  <a:rPr lang="en-US" sz="800" dirty="0">
-                    <a:solidFill>
-                      <a:schemeClr val="bg2"/>
-                    </a:solidFill>
-                    <a:ea typeface="Segoe UI" pitchFamily="34" charset="0"/>
-                    <a:cs typeface="Segoe UI" pitchFamily="34" charset="0"/>
-                  </a:rPr>
-                  <a:t>Hex #00188F</a:t>
-                </a:r>
-              </a:p>
-              <a:p>
-                <a:pPr defTabSz="932472" fontAlgn="base">
-                  <a:spcBef>
-                    <a:spcPct val="0"/>
-                  </a:spcBef>
-                  <a:spcAft>
-                    <a:spcPts val="100"/>
-                  </a:spcAft>
-                </a:pPr>
-                <a:r>
-                  <a:rPr lang="en-US" sz="800" dirty="0">
-                    <a:solidFill>
-                      <a:schemeClr val="bg2"/>
-                    </a:solidFill>
-                    <a:ea typeface="Segoe UI" pitchFamily="34" charset="0"/>
-                    <a:cs typeface="Segoe UI" pitchFamily="34" charset="0"/>
-                  </a:rPr>
-                  <a:t>C100 M75 Y0 K65</a:t>
-                </a:r>
-              </a:p>
-              <a:p>
-                <a:pPr defTabSz="932472" fontAlgn="base">
-                  <a:spcBef>
-                    <a:spcPct val="0"/>
-                  </a:spcBef>
-                  <a:spcAft>
-                    <a:spcPts val="100"/>
-                  </a:spcAft>
-                </a:pPr>
-                <a:r>
-                  <a:rPr lang="en-US" sz="800" dirty="0">
-                    <a:solidFill>
-                      <a:schemeClr val="bg2"/>
-                    </a:solidFill>
-                    <a:ea typeface="Segoe UI" pitchFamily="34" charset="0"/>
-                    <a:cs typeface="Segoe UI" pitchFamily="34" charset="0"/>
-                  </a:rPr>
-                  <a:t>Pantone 286</a:t>
-                </a:r>
-              </a:p>
-            </p:txBody>
-          </p:sp>
-          <p:sp>
-            <p:nvSpPr>
-              <p:cNvPr id="10" name="Rectangle 9">
-                <a:extLst>
-                  <a:ext uri="{FF2B5EF4-FFF2-40B4-BE49-F238E27FC236}">
-                    <a16:creationId xmlns:a16="http://schemas.microsoft.com/office/drawing/2014/main" id="{3DECBCDD-E857-40B6-83D8-6138E8E00115}"/>
-                  </a:ext>
-                </a:extLst>
-              </p:cNvPr>
-              <p:cNvSpPr/>
-              <p:nvPr/>
-            </p:nvSpPr>
-            <p:spPr bwMode="auto">
-              <a:xfrm>
-                <a:off x="9104176" y="4495456"/>
-                <a:ext cx="2873092" cy="1134990"/>
-              </a:xfrm>
-              <a:prstGeom prst="rect">
-                <a:avLst/>
-              </a:prstGeom>
-              <a:solidFill>
-                <a:srgbClr val="002050"/>
-              </a:solidFill>
-              <a:ln>
-                <a:noFill/>
-                <a:headEnd type="none" w="med" len="med"/>
-                <a:tailEnd type="none" w="med" len="med"/>
-              </a:ln>
-              <a:effectLst/>
-            </p:spPr>
-            <p:style>
-              <a:lnRef idx="1">
-                <a:schemeClr val="accent2"/>
-              </a:lnRef>
-              <a:fillRef idx="3">
-                <a:schemeClr val="accent2"/>
-              </a:fillRef>
-              <a:effectRef idx="2">
-                <a:schemeClr val="accent2"/>
-              </a:effectRef>
-              <a:fontRef idx="minor">
-                <a:schemeClr val="lt1"/>
-              </a:fontRef>
-            </p:style>
-            <p:txBody>
-              <a:bodyPr rot="0" spcFirstLastPara="0" vertOverflow="overflow" horzOverflow="overflow" vert="horz" wrap="square" lIns="91440" tIns="91440" rIns="91440" bIns="91440" numCol="1" spcCol="0" rtlCol="0" fromWordArt="0" anchor="t" anchorCtr="0" forceAA="0" compatLnSpc="1">
-                <a:prstTxWarp prst="textNoShape">
-                  <a:avLst/>
-                </a:prstTxWarp>
-                <a:noAutofit/>
-              </a:bodyPr>
-              <a:lstStyle/>
-              <a:p>
-                <a:pPr defTabSz="932472" fontAlgn="base">
-                  <a:spcBef>
-                    <a:spcPct val="0"/>
-                  </a:spcBef>
-                  <a:spcAft>
-                    <a:spcPts val="100"/>
-                  </a:spcAft>
-                </a:pPr>
-                <a:r>
-                  <a:rPr lang="en-US" sz="800" b="1" dirty="0">
-                    <a:solidFill>
-                      <a:schemeClr val="bg2"/>
-                    </a:solidFill>
-                    <a:ea typeface="Segoe UI" pitchFamily="34" charset="0"/>
-                    <a:cs typeface="Segoe UI" pitchFamily="34" charset="0"/>
-                  </a:rPr>
-                  <a:t>Dark Blue</a:t>
-                </a:r>
-              </a:p>
-              <a:p>
-                <a:pPr defTabSz="932472" fontAlgn="base">
-                  <a:spcBef>
-                    <a:spcPct val="0"/>
-                  </a:spcBef>
-                  <a:spcAft>
-                    <a:spcPts val="100"/>
-                  </a:spcAft>
-                </a:pPr>
-                <a:r>
-                  <a:rPr lang="en-US" sz="800" dirty="0">
-                    <a:solidFill>
-                      <a:schemeClr val="bg2"/>
-                    </a:solidFill>
-                    <a:ea typeface="Segoe UI" pitchFamily="34" charset="0"/>
-                    <a:cs typeface="Segoe UI" pitchFamily="34" charset="0"/>
-                  </a:rPr>
-                  <a:t>R0 G32 B80</a:t>
-                </a:r>
-              </a:p>
-              <a:p>
-                <a:pPr defTabSz="932472" fontAlgn="base">
-                  <a:spcBef>
-                    <a:spcPct val="0"/>
-                  </a:spcBef>
-                  <a:spcAft>
-                    <a:spcPts val="100"/>
-                  </a:spcAft>
-                </a:pPr>
-                <a:r>
-                  <a:rPr lang="en-US" sz="800" dirty="0">
-                    <a:solidFill>
-                      <a:schemeClr val="bg2"/>
-                    </a:solidFill>
-                    <a:ea typeface="Segoe UI" pitchFamily="34" charset="0"/>
-                    <a:cs typeface="Segoe UI" pitchFamily="34" charset="0"/>
-                  </a:rPr>
-                  <a:t>Hex #002050</a:t>
-                </a:r>
-              </a:p>
-              <a:p>
-                <a:pPr defTabSz="932472" fontAlgn="base">
-                  <a:spcBef>
-                    <a:spcPct val="0"/>
-                  </a:spcBef>
-                  <a:spcAft>
-                    <a:spcPts val="100"/>
-                  </a:spcAft>
-                </a:pPr>
-                <a:r>
-                  <a:rPr lang="en-US" sz="800" dirty="0">
-                    <a:solidFill>
-                      <a:schemeClr val="bg2"/>
-                    </a:solidFill>
-                    <a:ea typeface="Segoe UI" pitchFamily="34" charset="0"/>
-                    <a:cs typeface="Segoe UI" pitchFamily="34" charset="0"/>
-                  </a:rPr>
-                  <a:t>C100 M75 Y0 K35</a:t>
-                </a:r>
-              </a:p>
-              <a:p>
-                <a:pPr defTabSz="932472" fontAlgn="base">
-                  <a:spcBef>
-                    <a:spcPct val="0"/>
-                  </a:spcBef>
-                  <a:spcAft>
-                    <a:spcPts val="100"/>
-                  </a:spcAft>
-                </a:pPr>
-                <a:r>
-                  <a:rPr lang="en-US" sz="800" dirty="0">
-                    <a:solidFill>
-                      <a:schemeClr val="bg2"/>
-                    </a:solidFill>
-                    <a:ea typeface="Segoe UI" pitchFamily="34" charset="0"/>
-                    <a:cs typeface="Segoe UI" pitchFamily="34" charset="0"/>
-                  </a:rPr>
-                  <a:t>Pantone 288</a:t>
-                </a:r>
-              </a:p>
-            </p:txBody>
-          </p:sp>
-        </p:grpSp>
-        <p:grpSp>
-          <p:nvGrpSpPr>
-            <p:cNvPr id="20" name="Group 19">
-              <a:extLst>
-                <a:ext uri="{FF2B5EF4-FFF2-40B4-BE49-F238E27FC236}">
-                  <a16:creationId xmlns:a16="http://schemas.microsoft.com/office/drawing/2014/main" id="{562D3ACA-CB51-4333-A169-04FA95DE5426}"/>
-                </a:ext>
-              </a:extLst>
-            </p:cNvPr>
-            <p:cNvGrpSpPr/>
-            <p:nvPr/>
-          </p:nvGrpSpPr>
-          <p:grpSpPr>
-            <a:xfrm>
-              <a:off x="434975" y="5647909"/>
-              <a:ext cx="11563350" cy="897353"/>
-              <a:chOff x="446680" y="5630446"/>
-              <a:chExt cx="9282566" cy="955086"/>
-            </a:xfrm>
-          </p:grpSpPr>
-          <p:sp>
-            <p:nvSpPr>
-              <p:cNvPr id="12" name="Rectangle 11">
-                <a:extLst>
-                  <a:ext uri="{FF2B5EF4-FFF2-40B4-BE49-F238E27FC236}">
-                    <a16:creationId xmlns:a16="http://schemas.microsoft.com/office/drawing/2014/main" id="{5AE2467A-E21D-424C-83DD-8AFEA00B01A3}"/>
-                  </a:ext>
-                </a:extLst>
-              </p:cNvPr>
-              <p:cNvSpPr/>
-              <p:nvPr/>
-            </p:nvSpPr>
-            <p:spPr bwMode="auto">
-              <a:xfrm>
-                <a:off x="446680" y="5630446"/>
-                <a:ext cx="1322267" cy="955086"/>
-              </a:xfrm>
-              <a:prstGeom prst="rect">
-                <a:avLst/>
-              </a:prstGeom>
-              <a:solidFill>
-                <a:srgbClr val="C2C2C2"/>
-              </a:solidFill>
-              <a:ln>
-                <a:noFill/>
-                <a:headEnd type="none" w="med" len="med"/>
-                <a:tailEnd type="none" w="med" len="med"/>
-              </a:ln>
-              <a:effectLst/>
-            </p:spPr>
-            <p:style>
-              <a:lnRef idx="1">
-                <a:schemeClr val="accent2"/>
-              </a:lnRef>
-              <a:fillRef idx="3">
-                <a:schemeClr val="accent2"/>
-              </a:fillRef>
-              <a:effectRef idx="2">
-                <a:schemeClr val="accent2"/>
-              </a:effectRef>
-              <a:fontRef idx="minor">
-                <a:schemeClr val="lt1"/>
-              </a:fontRef>
-            </p:style>
-            <p:txBody>
-              <a:bodyPr rot="0" spcFirstLastPara="0" vertOverflow="overflow" horzOverflow="overflow" vert="horz" wrap="square" lIns="91440" tIns="91440" rIns="91440" bIns="91440" numCol="1" spcCol="0" rtlCol="0" fromWordArt="0" anchor="t" anchorCtr="0" forceAA="0" compatLnSpc="1">
-                <a:prstTxWarp prst="textNoShape">
-                  <a:avLst/>
-                </a:prstTxWarp>
-                <a:noAutofit/>
-              </a:bodyPr>
-              <a:lstStyle/>
-              <a:p>
-                <a:pPr defTabSz="932472" fontAlgn="base">
-                  <a:spcBef>
-                    <a:spcPct val="0"/>
-                  </a:spcBef>
-                  <a:spcAft>
-                    <a:spcPts val="100"/>
-                  </a:spcAft>
-                </a:pPr>
-                <a:r>
-                  <a:rPr lang="en-US" sz="800" b="1" dirty="0">
-                    <a:solidFill>
-                      <a:srgbClr val="282828"/>
-                    </a:solidFill>
-                    <a:ea typeface="Segoe UI" pitchFamily="34" charset="0"/>
-                    <a:cs typeface="Segoe UI" pitchFamily="34" charset="0"/>
-                  </a:rPr>
-                  <a:t>Gray 4</a:t>
-                </a:r>
-              </a:p>
-              <a:p>
-                <a:pPr defTabSz="932472" fontAlgn="base">
-                  <a:spcBef>
-                    <a:spcPct val="0"/>
-                  </a:spcBef>
-                  <a:spcAft>
-                    <a:spcPts val="100"/>
-                  </a:spcAft>
-                </a:pPr>
-                <a:r>
-                  <a:rPr lang="en-US" sz="800" dirty="0">
-                    <a:solidFill>
-                      <a:srgbClr val="282828"/>
-                    </a:solidFill>
-                    <a:ea typeface="Segoe UI" pitchFamily="34" charset="0"/>
-                    <a:cs typeface="Segoe UI" pitchFamily="34" charset="0"/>
-                  </a:rPr>
-                  <a:t>R194 G194 B194</a:t>
-                </a:r>
-              </a:p>
-              <a:p>
-                <a:pPr defTabSz="932472" fontAlgn="base">
-                  <a:spcBef>
-                    <a:spcPct val="0"/>
-                  </a:spcBef>
-                  <a:spcAft>
-                    <a:spcPts val="100"/>
-                  </a:spcAft>
-                </a:pPr>
-                <a:r>
-                  <a:rPr lang="en-US" sz="800" dirty="0">
-                    <a:solidFill>
-                      <a:srgbClr val="282828"/>
-                    </a:solidFill>
-                    <a:ea typeface="Segoe UI" pitchFamily="34" charset="0"/>
-                    <a:cs typeface="Segoe UI" pitchFamily="34" charset="0"/>
-                  </a:rPr>
-                  <a:t>Hex #C2C2C2</a:t>
-                </a:r>
-              </a:p>
-              <a:p>
-                <a:pPr defTabSz="932472" fontAlgn="base">
-                  <a:spcBef>
-                    <a:spcPct val="0"/>
-                  </a:spcBef>
-                  <a:spcAft>
-                    <a:spcPts val="100"/>
-                  </a:spcAft>
-                </a:pPr>
-                <a:r>
-                  <a:rPr lang="en-US" sz="800" dirty="0">
-                    <a:solidFill>
-                      <a:srgbClr val="282828"/>
-                    </a:solidFill>
-                    <a:ea typeface="Segoe UI" pitchFamily="34" charset="0"/>
-                    <a:cs typeface="Segoe UI" pitchFamily="34" charset="0"/>
-                  </a:rPr>
-                  <a:t>C0 M0 Y0 K35</a:t>
-                </a:r>
-              </a:p>
-            </p:txBody>
-          </p:sp>
-          <p:sp>
-            <p:nvSpPr>
-              <p:cNvPr id="14" name="Rectangle 13">
-                <a:extLst>
-                  <a:ext uri="{FF2B5EF4-FFF2-40B4-BE49-F238E27FC236}">
-                    <a16:creationId xmlns:a16="http://schemas.microsoft.com/office/drawing/2014/main" id="{354EBC56-7455-4358-86BF-A0BB0444C14F}"/>
-                  </a:ext>
-                </a:extLst>
-              </p:cNvPr>
-              <p:cNvSpPr/>
-              <p:nvPr/>
-            </p:nvSpPr>
-            <p:spPr bwMode="auto">
-              <a:xfrm>
-                <a:off x="1768947" y="5630446"/>
-                <a:ext cx="1328615" cy="955086"/>
-              </a:xfrm>
-              <a:prstGeom prst="rect">
-                <a:avLst/>
-              </a:prstGeom>
-              <a:solidFill>
-                <a:srgbClr val="B2B2B2"/>
-              </a:solidFill>
-              <a:ln>
-                <a:noFill/>
-                <a:headEnd type="none" w="med" len="med"/>
-                <a:tailEnd type="none" w="med" len="med"/>
-              </a:ln>
-              <a:effectLst/>
-            </p:spPr>
-            <p:style>
-              <a:lnRef idx="1">
-                <a:schemeClr val="accent2"/>
-              </a:lnRef>
-              <a:fillRef idx="3">
-                <a:schemeClr val="accent2"/>
-              </a:fillRef>
-              <a:effectRef idx="2">
-                <a:schemeClr val="accent2"/>
-              </a:effectRef>
-              <a:fontRef idx="minor">
-                <a:schemeClr val="lt1"/>
-              </a:fontRef>
-            </p:style>
-            <p:txBody>
-              <a:bodyPr rot="0" spcFirstLastPara="0" vertOverflow="overflow" horzOverflow="overflow" vert="horz" wrap="square" lIns="91440" tIns="91440" rIns="91440" bIns="91440" numCol="1" spcCol="0" rtlCol="0" fromWordArt="0" anchor="t" anchorCtr="0" forceAA="0" compatLnSpc="1">
-                <a:prstTxWarp prst="textNoShape">
-                  <a:avLst/>
-                </a:prstTxWarp>
-                <a:noAutofit/>
-              </a:bodyPr>
-              <a:lstStyle/>
-              <a:p>
-                <a:pPr defTabSz="932472" fontAlgn="base">
-                  <a:spcBef>
-                    <a:spcPct val="0"/>
-                  </a:spcBef>
-                  <a:spcAft>
-                    <a:spcPts val="100"/>
-                  </a:spcAft>
-                </a:pPr>
-                <a:r>
-                  <a:rPr lang="en-US" sz="800" b="1" dirty="0">
-                    <a:solidFill>
-                      <a:srgbClr val="282828"/>
-                    </a:solidFill>
-                    <a:ea typeface="Segoe UI" pitchFamily="34" charset="0"/>
-                    <a:cs typeface="Segoe UI" pitchFamily="34" charset="0"/>
-                  </a:rPr>
-                  <a:t>Gray 5</a:t>
-                </a:r>
-              </a:p>
-              <a:p>
-                <a:pPr defTabSz="932472" fontAlgn="base">
-                  <a:spcBef>
-                    <a:spcPct val="0"/>
-                  </a:spcBef>
-                  <a:spcAft>
-                    <a:spcPts val="100"/>
-                  </a:spcAft>
-                </a:pPr>
-                <a:r>
-                  <a:rPr lang="en-US" sz="800" dirty="0">
-                    <a:solidFill>
-                      <a:srgbClr val="282828"/>
-                    </a:solidFill>
-                    <a:ea typeface="Segoe UI" pitchFamily="34" charset="0"/>
-                    <a:cs typeface="Segoe UI" pitchFamily="34" charset="0"/>
-                  </a:rPr>
-                  <a:t>R178 G178 B178</a:t>
-                </a:r>
-              </a:p>
-              <a:p>
-                <a:pPr defTabSz="932472" fontAlgn="base">
-                  <a:spcBef>
-                    <a:spcPct val="0"/>
-                  </a:spcBef>
-                  <a:spcAft>
-                    <a:spcPts val="100"/>
-                  </a:spcAft>
-                </a:pPr>
-                <a:r>
-                  <a:rPr lang="en-US" sz="800" dirty="0">
-                    <a:solidFill>
-                      <a:srgbClr val="282828"/>
-                    </a:solidFill>
-                    <a:ea typeface="Segoe UI" pitchFamily="34" charset="0"/>
-                    <a:cs typeface="Segoe UI" pitchFamily="34" charset="0"/>
-                  </a:rPr>
-                  <a:t>Hex #B2B2B2</a:t>
-                </a:r>
-              </a:p>
-              <a:p>
-                <a:pPr defTabSz="932472" fontAlgn="base">
-                  <a:spcBef>
-                    <a:spcPct val="0"/>
-                  </a:spcBef>
-                  <a:spcAft>
-                    <a:spcPts val="100"/>
-                  </a:spcAft>
-                </a:pPr>
-                <a:r>
-                  <a:rPr lang="en-US" sz="800" dirty="0">
-                    <a:solidFill>
-                      <a:srgbClr val="282828"/>
-                    </a:solidFill>
-                    <a:ea typeface="Segoe UI" pitchFamily="34" charset="0"/>
-                    <a:cs typeface="Segoe UI" pitchFamily="34" charset="0"/>
-                  </a:rPr>
-                  <a:t>C0 M0 Y0 K45</a:t>
-                </a:r>
-              </a:p>
-            </p:txBody>
-          </p:sp>
-          <p:sp>
-            <p:nvSpPr>
-              <p:cNvPr id="15" name="Rectangle 14">
-                <a:extLst>
-                  <a:ext uri="{FF2B5EF4-FFF2-40B4-BE49-F238E27FC236}">
-                    <a16:creationId xmlns:a16="http://schemas.microsoft.com/office/drawing/2014/main" id="{38BBCA3E-846C-4AB0-9240-8F5A00859CCA}"/>
-                  </a:ext>
-                </a:extLst>
-              </p:cNvPr>
-              <p:cNvSpPr/>
-              <p:nvPr/>
-            </p:nvSpPr>
-            <p:spPr bwMode="auto">
-              <a:xfrm>
-                <a:off x="3097562" y="5630446"/>
-                <a:ext cx="1328615" cy="955086"/>
-              </a:xfrm>
-              <a:prstGeom prst="rect">
-                <a:avLst/>
-              </a:prstGeom>
-              <a:solidFill>
-                <a:srgbClr val="939393"/>
-              </a:solidFill>
-              <a:ln>
-                <a:noFill/>
-                <a:headEnd type="none" w="med" len="med"/>
-                <a:tailEnd type="none" w="med" len="med"/>
-              </a:ln>
-              <a:effectLst/>
-            </p:spPr>
-            <p:style>
-              <a:lnRef idx="1">
-                <a:schemeClr val="accent2"/>
-              </a:lnRef>
-              <a:fillRef idx="3">
-                <a:schemeClr val="accent2"/>
-              </a:fillRef>
-              <a:effectRef idx="2">
-                <a:schemeClr val="accent2"/>
-              </a:effectRef>
-              <a:fontRef idx="minor">
-                <a:schemeClr val="lt1"/>
-              </a:fontRef>
-            </p:style>
-            <p:txBody>
-              <a:bodyPr rot="0" spcFirstLastPara="0" vertOverflow="overflow" horzOverflow="overflow" vert="horz" wrap="square" lIns="91440" tIns="91440" rIns="91440" bIns="91440" numCol="1" spcCol="0" rtlCol="0" fromWordArt="0" anchor="t" anchorCtr="0" forceAA="0" compatLnSpc="1">
-                <a:prstTxWarp prst="textNoShape">
-                  <a:avLst/>
-                </a:prstTxWarp>
-                <a:noAutofit/>
-              </a:bodyPr>
-              <a:lstStyle/>
-              <a:p>
-                <a:pPr defTabSz="932472" fontAlgn="base">
-                  <a:spcBef>
-                    <a:spcPct val="0"/>
-                  </a:spcBef>
-                  <a:spcAft>
-                    <a:spcPts val="100"/>
-                  </a:spcAft>
-                </a:pPr>
-                <a:r>
-                  <a:rPr lang="en-US" sz="800" b="1" dirty="0">
-                    <a:solidFill>
-                      <a:schemeClr val="bg2"/>
-                    </a:solidFill>
-                    <a:ea typeface="Segoe UI" pitchFamily="34" charset="0"/>
-                    <a:cs typeface="Segoe UI" pitchFamily="34" charset="0"/>
-                  </a:rPr>
-                  <a:t>Gray 6</a:t>
-                </a:r>
-              </a:p>
-              <a:p>
-                <a:pPr defTabSz="932472" fontAlgn="base">
-                  <a:spcBef>
-                    <a:spcPct val="0"/>
-                  </a:spcBef>
-                  <a:spcAft>
-                    <a:spcPts val="100"/>
-                  </a:spcAft>
-                </a:pPr>
-                <a:r>
-                  <a:rPr lang="en-US" sz="800" dirty="0">
-                    <a:solidFill>
-                      <a:schemeClr val="bg2"/>
-                    </a:solidFill>
-                    <a:ea typeface="Segoe UI" pitchFamily="34" charset="0"/>
-                    <a:cs typeface="Segoe UI" pitchFamily="34" charset="0"/>
-                  </a:rPr>
-                  <a:t>R147 G147 B147</a:t>
-                </a:r>
-              </a:p>
-              <a:p>
-                <a:pPr defTabSz="932472" fontAlgn="base">
-                  <a:spcBef>
-                    <a:spcPct val="0"/>
-                  </a:spcBef>
-                  <a:spcAft>
-                    <a:spcPts val="100"/>
-                  </a:spcAft>
-                </a:pPr>
-                <a:r>
-                  <a:rPr lang="en-US" sz="800" dirty="0">
-                    <a:solidFill>
-                      <a:schemeClr val="bg2"/>
-                    </a:solidFill>
-                    <a:ea typeface="Segoe UI" pitchFamily="34" charset="0"/>
-                    <a:cs typeface="Segoe UI" pitchFamily="34" charset="0"/>
-                  </a:rPr>
-                  <a:t>Hex #939393</a:t>
-                </a:r>
-              </a:p>
-              <a:p>
-                <a:pPr defTabSz="932472" fontAlgn="base">
-                  <a:spcBef>
-                    <a:spcPct val="0"/>
-                  </a:spcBef>
-                  <a:spcAft>
-                    <a:spcPts val="100"/>
-                  </a:spcAft>
-                </a:pPr>
-                <a:r>
-                  <a:rPr lang="en-US" sz="800" dirty="0">
-                    <a:solidFill>
-                      <a:schemeClr val="bg2"/>
-                    </a:solidFill>
-                    <a:ea typeface="Segoe UI" pitchFamily="34" charset="0"/>
-                    <a:cs typeface="Segoe UI" pitchFamily="34" charset="0"/>
-                  </a:rPr>
-                  <a:t>C0 M0 Y0 K55</a:t>
-                </a:r>
-              </a:p>
-            </p:txBody>
-          </p:sp>
-          <p:sp>
-            <p:nvSpPr>
-              <p:cNvPr id="16" name="Rectangle 15">
-                <a:extLst>
-                  <a:ext uri="{FF2B5EF4-FFF2-40B4-BE49-F238E27FC236}">
-                    <a16:creationId xmlns:a16="http://schemas.microsoft.com/office/drawing/2014/main" id="{A99ECD82-587F-4BDB-A514-BE2782277F18}"/>
-                  </a:ext>
-                </a:extLst>
-              </p:cNvPr>
-              <p:cNvSpPr/>
-              <p:nvPr/>
-            </p:nvSpPr>
-            <p:spPr bwMode="auto">
-              <a:xfrm>
-                <a:off x="4426177" y="5630446"/>
-                <a:ext cx="1328615" cy="955086"/>
-              </a:xfrm>
-              <a:prstGeom prst="rect">
-                <a:avLst/>
-              </a:prstGeom>
-              <a:solidFill>
-                <a:srgbClr val="737373"/>
-              </a:solidFill>
-              <a:ln>
-                <a:noFill/>
-                <a:headEnd type="none" w="med" len="med"/>
-                <a:tailEnd type="none" w="med" len="med"/>
-              </a:ln>
-              <a:effectLst/>
-            </p:spPr>
-            <p:style>
-              <a:lnRef idx="1">
-                <a:schemeClr val="accent2"/>
-              </a:lnRef>
-              <a:fillRef idx="3">
-                <a:schemeClr val="accent2"/>
-              </a:fillRef>
-              <a:effectRef idx="2">
-                <a:schemeClr val="accent2"/>
-              </a:effectRef>
-              <a:fontRef idx="minor">
-                <a:schemeClr val="lt1"/>
-              </a:fontRef>
-            </p:style>
-            <p:txBody>
-              <a:bodyPr rot="0" spcFirstLastPara="0" vertOverflow="overflow" horzOverflow="overflow" vert="horz" wrap="square" lIns="91440" tIns="91440" rIns="91440" bIns="91440" numCol="1" spcCol="0" rtlCol="0" fromWordArt="0" anchor="t" anchorCtr="0" forceAA="0" compatLnSpc="1">
-                <a:prstTxWarp prst="textNoShape">
-                  <a:avLst/>
-                </a:prstTxWarp>
-                <a:noAutofit/>
-              </a:bodyPr>
-              <a:lstStyle/>
-              <a:p>
-                <a:pPr defTabSz="932472" fontAlgn="base">
-                  <a:spcBef>
-                    <a:spcPct val="0"/>
-                  </a:spcBef>
-                  <a:spcAft>
-                    <a:spcPts val="100"/>
-                  </a:spcAft>
-                </a:pPr>
-                <a:r>
-                  <a:rPr lang="en-US" sz="800" b="1" dirty="0">
-                    <a:solidFill>
-                      <a:schemeClr val="bg2"/>
-                    </a:solidFill>
-                    <a:ea typeface="Segoe UI" pitchFamily="34" charset="0"/>
-                    <a:cs typeface="Segoe UI" pitchFamily="34" charset="0"/>
-                  </a:rPr>
-                  <a:t>Gray 7</a:t>
-                </a:r>
-              </a:p>
-              <a:p>
-                <a:pPr defTabSz="932472" fontAlgn="base">
-                  <a:spcBef>
-                    <a:spcPct val="0"/>
-                  </a:spcBef>
-                  <a:spcAft>
-                    <a:spcPts val="100"/>
-                  </a:spcAft>
-                </a:pPr>
-                <a:r>
-                  <a:rPr lang="en-US" sz="800" dirty="0">
-                    <a:solidFill>
-                      <a:schemeClr val="bg2"/>
-                    </a:solidFill>
-                    <a:ea typeface="Segoe UI" pitchFamily="34" charset="0"/>
-                    <a:cs typeface="Segoe UI" pitchFamily="34" charset="0"/>
-                  </a:rPr>
-                  <a:t>R115 G115 B115</a:t>
-                </a:r>
-              </a:p>
-              <a:p>
-                <a:pPr defTabSz="932472" fontAlgn="base">
-                  <a:spcBef>
-                    <a:spcPct val="0"/>
-                  </a:spcBef>
-                  <a:spcAft>
-                    <a:spcPts val="100"/>
-                  </a:spcAft>
-                </a:pPr>
-                <a:r>
-                  <a:rPr lang="en-US" sz="800" dirty="0">
-                    <a:solidFill>
-                      <a:schemeClr val="bg2"/>
-                    </a:solidFill>
-                    <a:ea typeface="Segoe UI" pitchFamily="34" charset="0"/>
-                    <a:cs typeface="Segoe UI" pitchFamily="34" charset="0"/>
-                  </a:rPr>
-                  <a:t>Hex #737373</a:t>
-                </a:r>
-              </a:p>
-              <a:p>
-                <a:pPr defTabSz="932472" fontAlgn="base">
-                  <a:spcBef>
-                    <a:spcPct val="0"/>
-                  </a:spcBef>
-                  <a:spcAft>
-                    <a:spcPts val="100"/>
-                  </a:spcAft>
-                </a:pPr>
-                <a:r>
-                  <a:rPr lang="en-US" sz="800" dirty="0">
-                    <a:solidFill>
-                      <a:schemeClr val="bg2"/>
-                    </a:solidFill>
-                    <a:ea typeface="Segoe UI" pitchFamily="34" charset="0"/>
-                    <a:cs typeface="Segoe UI" pitchFamily="34" charset="0"/>
-                  </a:rPr>
-                  <a:t>C0 M0 Y0 K65</a:t>
-                </a:r>
-              </a:p>
-              <a:p>
-                <a:pPr defTabSz="932472" fontAlgn="base">
-                  <a:spcBef>
-                    <a:spcPct val="0"/>
-                  </a:spcBef>
-                  <a:spcAft>
-                    <a:spcPts val="100"/>
-                  </a:spcAft>
-                </a:pPr>
-                <a:r>
-                  <a:rPr lang="en-US" sz="800" dirty="0">
-                    <a:solidFill>
-                      <a:schemeClr val="bg2"/>
-                    </a:solidFill>
-                    <a:ea typeface="Segoe UI" pitchFamily="34" charset="0"/>
-                    <a:cs typeface="Segoe UI" pitchFamily="34" charset="0"/>
-                  </a:rPr>
-                  <a:t>PMS Cool Gray 9</a:t>
-                </a:r>
-              </a:p>
-            </p:txBody>
-          </p:sp>
-          <p:sp>
-            <p:nvSpPr>
-              <p:cNvPr id="17" name="Rectangle 16">
-                <a:extLst>
-                  <a:ext uri="{FF2B5EF4-FFF2-40B4-BE49-F238E27FC236}">
-                    <a16:creationId xmlns:a16="http://schemas.microsoft.com/office/drawing/2014/main" id="{4448B395-5F04-408C-885E-9C93E4E1AA8C}"/>
-                  </a:ext>
-                </a:extLst>
-              </p:cNvPr>
-              <p:cNvSpPr/>
-              <p:nvPr/>
-            </p:nvSpPr>
-            <p:spPr bwMode="auto">
-              <a:xfrm>
-                <a:off x="5754792" y="5630446"/>
-                <a:ext cx="1328615" cy="955086"/>
-              </a:xfrm>
-              <a:prstGeom prst="rect">
-                <a:avLst/>
-              </a:prstGeom>
-              <a:solidFill>
-                <a:srgbClr val="505050"/>
-              </a:solidFill>
-              <a:ln>
-                <a:noFill/>
-                <a:headEnd type="none" w="med" len="med"/>
-                <a:tailEnd type="none" w="med" len="med"/>
-              </a:ln>
-              <a:effectLst/>
-            </p:spPr>
-            <p:style>
-              <a:lnRef idx="1">
-                <a:schemeClr val="accent2"/>
-              </a:lnRef>
-              <a:fillRef idx="3">
-                <a:schemeClr val="accent2"/>
-              </a:fillRef>
-              <a:effectRef idx="2">
-                <a:schemeClr val="accent2"/>
-              </a:effectRef>
-              <a:fontRef idx="minor">
-                <a:schemeClr val="lt1"/>
-              </a:fontRef>
-            </p:style>
-            <p:txBody>
-              <a:bodyPr rot="0" spcFirstLastPara="0" vertOverflow="overflow" horzOverflow="overflow" vert="horz" wrap="square" lIns="91440" tIns="91440" rIns="91440" bIns="91440" numCol="1" spcCol="0" rtlCol="0" fromWordArt="0" anchor="t" anchorCtr="0" forceAA="0" compatLnSpc="1">
-                <a:prstTxWarp prst="textNoShape">
-                  <a:avLst/>
-                </a:prstTxWarp>
-                <a:noAutofit/>
-              </a:bodyPr>
-              <a:lstStyle/>
-              <a:p>
-                <a:pPr defTabSz="932472" fontAlgn="base">
-                  <a:spcBef>
-                    <a:spcPct val="0"/>
-                  </a:spcBef>
-                  <a:spcAft>
-                    <a:spcPts val="100"/>
-                  </a:spcAft>
-                </a:pPr>
-                <a:r>
-                  <a:rPr lang="en-US" sz="800" b="1" dirty="0">
-                    <a:solidFill>
-                      <a:schemeClr val="bg2"/>
-                    </a:solidFill>
-                    <a:ea typeface="Segoe UI" pitchFamily="34" charset="0"/>
-                    <a:cs typeface="Segoe UI" pitchFamily="34" charset="0"/>
-                  </a:rPr>
-                  <a:t>Gray 8</a:t>
-                </a:r>
-              </a:p>
-              <a:p>
-                <a:pPr defTabSz="932472" fontAlgn="base">
-                  <a:spcBef>
-                    <a:spcPct val="0"/>
-                  </a:spcBef>
-                  <a:spcAft>
-                    <a:spcPts val="100"/>
-                  </a:spcAft>
-                </a:pPr>
-                <a:r>
-                  <a:rPr lang="en-US" sz="800" dirty="0">
-                    <a:solidFill>
-                      <a:schemeClr val="bg2"/>
-                    </a:solidFill>
-                    <a:ea typeface="Segoe UI" pitchFamily="34" charset="0"/>
-                    <a:cs typeface="Segoe UI" pitchFamily="34" charset="0"/>
-                  </a:rPr>
-                  <a:t>R80 G80 B80</a:t>
-                </a:r>
-              </a:p>
-              <a:p>
-                <a:pPr defTabSz="932472" fontAlgn="base">
-                  <a:spcBef>
-                    <a:spcPct val="0"/>
-                  </a:spcBef>
-                  <a:spcAft>
-                    <a:spcPts val="100"/>
-                  </a:spcAft>
-                </a:pPr>
-                <a:r>
-                  <a:rPr lang="en-US" sz="800" dirty="0">
-                    <a:solidFill>
-                      <a:schemeClr val="bg2"/>
-                    </a:solidFill>
-                    <a:ea typeface="Segoe UI" pitchFamily="34" charset="0"/>
-                    <a:cs typeface="Segoe UI" pitchFamily="34" charset="0"/>
-                  </a:rPr>
-                  <a:t>Hex #505050</a:t>
-                </a:r>
-              </a:p>
-              <a:p>
-                <a:pPr defTabSz="932472" fontAlgn="base">
-                  <a:spcBef>
-                    <a:spcPct val="0"/>
-                  </a:spcBef>
-                  <a:spcAft>
-                    <a:spcPts val="100"/>
-                  </a:spcAft>
-                </a:pPr>
-                <a:r>
-                  <a:rPr lang="en-US" sz="800" dirty="0">
-                    <a:solidFill>
-                      <a:schemeClr val="bg2"/>
-                    </a:solidFill>
-                    <a:ea typeface="Segoe UI" pitchFamily="34" charset="0"/>
-                    <a:cs typeface="Segoe UI" pitchFamily="34" charset="0"/>
-                  </a:rPr>
-                  <a:t>C0 M0 Y0 K80</a:t>
-                </a:r>
-              </a:p>
-              <a:p>
-                <a:pPr defTabSz="932472" fontAlgn="base">
-                  <a:spcBef>
-                    <a:spcPct val="0"/>
-                  </a:spcBef>
-                  <a:spcAft>
-                    <a:spcPts val="100"/>
-                  </a:spcAft>
-                </a:pPr>
-                <a:r>
-                  <a:rPr lang="en-US" sz="800" dirty="0">
-                    <a:solidFill>
-                      <a:schemeClr val="bg2"/>
-                    </a:solidFill>
-                    <a:ea typeface="Segoe UI" pitchFamily="34" charset="0"/>
-                    <a:cs typeface="Segoe UI" pitchFamily="34" charset="0"/>
-                  </a:rPr>
-                  <a:t>PMS Cool Gray 11</a:t>
-                </a:r>
-              </a:p>
-            </p:txBody>
-          </p:sp>
-          <p:sp>
-            <p:nvSpPr>
-              <p:cNvPr id="18" name="Rectangle 17">
-                <a:extLst>
-                  <a:ext uri="{FF2B5EF4-FFF2-40B4-BE49-F238E27FC236}">
-                    <a16:creationId xmlns:a16="http://schemas.microsoft.com/office/drawing/2014/main" id="{5213FC99-1BC4-404F-AECA-D4AABBA7FF80}"/>
-                  </a:ext>
-                </a:extLst>
-              </p:cNvPr>
-              <p:cNvSpPr/>
-              <p:nvPr/>
-            </p:nvSpPr>
-            <p:spPr bwMode="auto">
-              <a:xfrm>
-                <a:off x="7083407" y="5630446"/>
-                <a:ext cx="1328615" cy="955086"/>
-              </a:xfrm>
-              <a:prstGeom prst="rect">
-                <a:avLst/>
-              </a:prstGeom>
-              <a:solidFill>
-                <a:srgbClr val="282828"/>
-              </a:solidFill>
-              <a:ln>
-                <a:noFill/>
-                <a:headEnd type="none" w="med" len="med"/>
-                <a:tailEnd type="none" w="med" len="med"/>
-              </a:ln>
-              <a:effectLst/>
-            </p:spPr>
-            <p:style>
-              <a:lnRef idx="1">
-                <a:schemeClr val="accent2"/>
-              </a:lnRef>
-              <a:fillRef idx="3">
-                <a:schemeClr val="accent2"/>
-              </a:fillRef>
-              <a:effectRef idx="2">
-                <a:schemeClr val="accent2"/>
-              </a:effectRef>
-              <a:fontRef idx="minor">
-                <a:schemeClr val="lt1"/>
-              </a:fontRef>
-            </p:style>
-            <p:txBody>
-              <a:bodyPr rot="0" spcFirstLastPara="0" vertOverflow="overflow" horzOverflow="overflow" vert="horz" wrap="square" lIns="91440" tIns="91440" rIns="91440" bIns="91440" numCol="1" spcCol="0" rtlCol="0" fromWordArt="0" anchor="t" anchorCtr="0" forceAA="0" compatLnSpc="1">
-                <a:prstTxWarp prst="textNoShape">
-                  <a:avLst/>
-                </a:prstTxWarp>
-                <a:noAutofit/>
-              </a:bodyPr>
-              <a:lstStyle/>
-              <a:p>
-                <a:pPr defTabSz="932472" fontAlgn="base">
-                  <a:spcBef>
-                    <a:spcPct val="0"/>
-                  </a:spcBef>
-                  <a:spcAft>
-                    <a:spcPts val="100"/>
-                  </a:spcAft>
-                </a:pPr>
-                <a:r>
-                  <a:rPr lang="en-US" sz="800" b="1" dirty="0">
-                    <a:solidFill>
-                      <a:schemeClr val="bg2"/>
-                    </a:solidFill>
-                    <a:ea typeface="Segoe UI" pitchFamily="34" charset="0"/>
-                    <a:cs typeface="Segoe UI" pitchFamily="34" charset="0"/>
-                  </a:rPr>
-                  <a:t>Gray 9</a:t>
-                </a:r>
-              </a:p>
-              <a:p>
-                <a:pPr defTabSz="932472" fontAlgn="base">
-                  <a:spcBef>
-                    <a:spcPct val="0"/>
-                  </a:spcBef>
-                  <a:spcAft>
-                    <a:spcPts val="100"/>
-                  </a:spcAft>
-                </a:pPr>
-                <a:r>
-                  <a:rPr lang="en-US" sz="800" dirty="0">
-                    <a:solidFill>
-                      <a:schemeClr val="bg2"/>
-                    </a:solidFill>
-                    <a:ea typeface="Segoe UI" pitchFamily="34" charset="0"/>
-                    <a:cs typeface="Segoe UI" pitchFamily="34" charset="0"/>
-                  </a:rPr>
-                  <a:t>R040 G40 B40</a:t>
-                </a:r>
-              </a:p>
-              <a:p>
-                <a:pPr defTabSz="932472" fontAlgn="base">
-                  <a:spcBef>
-                    <a:spcPct val="0"/>
-                  </a:spcBef>
-                  <a:spcAft>
-                    <a:spcPts val="100"/>
-                  </a:spcAft>
-                </a:pPr>
-                <a:r>
-                  <a:rPr lang="en-US" sz="800" dirty="0">
-                    <a:solidFill>
-                      <a:schemeClr val="bg2"/>
-                    </a:solidFill>
-                    <a:ea typeface="Segoe UI" pitchFamily="34" charset="0"/>
-                    <a:cs typeface="Segoe UI" pitchFamily="34" charset="0"/>
-                  </a:rPr>
-                  <a:t>Hex #282828</a:t>
-                </a:r>
-              </a:p>
-              <a:p>
-                <a:pPr defTabSz="932472" fontAlgn="base">
-                  <a:spcBef>
-                    <a:spcPct val="0"/>
-                  </a:spcBef>
-                  <a:spcAft>
-                    <a:spcPts val="100"/>
-                  </a:spcAft>
-                </a:pPr>
-                <a:r>
-                  <a:rPr lang="en-US" sz="800" dirty="0">
-                    <a:solidFill>
-                      <a:schemeClr val="bg2"/>
-                    </a:solidFill>
-                    <a:ea typeface="Segoe UI" pitchFamily="34" charset="0"/>
-                    <a:cs typeface="Segoe UI" pitchFamily="34" charset="0"/>
-                  </a:rPr>
-                  <a:t>C0 M0 Y0 K94</a:t>
-                </a:r>
-              </a:p>
-            </p:txBody>
-          </p:sp>
-          <p:sp>
-            <p:nvSpPr>
-              <p:cNvPr id="19" name="Rectangle 18">
-                <a:extLst>
-                  <a:ext uri="{FF2B5EF4-FFF2-40B4-BE49-F238E27FC236}">
-                    <a16:creationId xmlns:a16="http://schemas.microsoft.com/office/drawing/2014/main" id="{E02C3A9A-3CAB-400F-9D9E-DE29DD23C9D3}"/>
-                  </a:ext>
-                </a:extLst>
-              </p:cNvPr>
-              <p:cNvSpPr/>
-              <p:nvPr/>
-            </p:nvSpPr>
-            <p:spPr bwMode="auto">
-              <a:xfrm>
-                <a:off x="8412022" y="5630446"/>
-                <a:ext cx="1317224" cy="955086"/>
-              </a:xfrm>
-              <a:prstGeom prst="rect">
-                <a:avLst/>
-              </a:prstGeom>
-              <a:solidFill>
-                <a:srgbClr val="000000"/>
-              </a:solidFill>
-              <a:ln>
-                <a:noFill/>
-                <a:headEnd type="none" w="med" len="med"/>
-                <a:tailEnd type="none" w="med" len="med"/>
-              </a:ln>
-              <a:effectLst/>
-            </p:spPr>
-            <p:style>
-              <a:lnRef idx="1">
-                <a:schemeClr val="accent2"/>
-              </a:lnRef>
-              <a:fillRef idx="3">
-                <a:schemeClr val="accent2"/>
-              </a:fillRef>
-              <a:effectRef idx="2">
-                <a:schemeClr val="accent2"/>
-              </a:effectRef>
-              <a:fontRef idx="minor">
-                <a:schemeClr val="lt1"/>
-              </a:fontRef>
-            </p:style>
-            <p:txBody>
-              <a:bodyPr rot="0" spcFirstLastPara="0" vertOverflow="overflow" horzOverflow="overflow" vert="horz" wrap="square" lIns="91440" tIns="91440" rIns="91440" bIns="91440" numCol="1" spcCol="0" rtlCol="0" fromWordArt="0" anchor="t" anchorCtr="0" forceAA="0" compatLnSpc="1">
-                <a:prstTxWarp prst="textNoShape">
-                  <a:avLst/>
-                </a:prstTxWarp>
-                <a:noAutofit/>
-              </a:bodyPr>
-              <a:lstStyle/>
-              <a:p>
-                <a:pPr defTabSz="932472" fontAlgn="base">
-                  <a:spcBef>
-                    <a:spcPct val="0"/>
-                  </a:spcBef>
-                  <a:spcAft>
-                    <a:spcPts val="100"/>
-                  </a:spcAft>
-                </a:pPr>
-                <a:r>
-                  <a:rPr lang="en-US" sz="800" b="1" dirty="0">
-                    <a:solidFill>
-                      <a:schemeClr val="bg2"/>
-                    </a:solidFill>
-                    <a:ea typeface="Segoe UI" pitchFamily="34" charset="0"/>
-                    <a:cs typeface="Segoe UI" pitchFamily="34" charset="0"/>
-                  </a:rPr>
-                  <a:t>Rich Black</a:t>
-                </a:r>
-              </a:p>
-              <a:p>
-                <a:pPr defTabSz="932472" fontAlgn="base">
-                  <a:spcBef>
-                    <a:spcPct val="0"/>
-                  </a:spcBef>
-                  <a:spcAft>
-                    <a:spcPts val="100"/>
-                  </a:spcAft>
-                </a:pPr>
-                <a:r>
-                  <a:rPr lang="en-US" sz="800" dirty="0">
-                    <a:solidFill>
-                      <a:schemeClr val="bg2"/>
-                    </a:solidFill>
-                    <a:ea typeface="Segoe UI" pitchFamily="34" charset="0"/>
-                    <a:cs typeface="Segoe UI" pitchFamily="34" charset="0"/>
-                  </a:rPr>
-                  <a:t>R0 G0 B0</a:t>
-                </a:r>
-              </a:p>
-              <a:p>
-                <a:pPr defTabSz="932472" fontAlgn="base">
-                  <a:spcBef>
-                    <a:spcPct val="0"/>
-                  </a:spcBef>
-                  <a:spcAft>
-                    <a:spcPts val="100"/>
-                  </a:spcAft>
-                </a:pPr>
-                <a:r>
-                  <a:rPr lang="en-US" sz="800" dirty="0">
-                    <a:solidFill>
-                      <a:schemeClr val="bg2"/>
-                    </a:solidFill>
-                    <a:ea typeface="Segoe UI" pitchFamily="34" charset="0"/>
-                    <a:cs typeface="Segoe UI" pitchFamily="34" charset="0"/>
-                  </a:rPr>
-                  <a:t>Hex #000000</a:t>
-                </a:r>
-              </a:p>
-              <a:p>
-                <a:pPr defTabSz="932472" fontAlgn="base">
-                  <a:spcBef>
-                    <a:spcPct val="0"/>
-                  </a:spcBef>
-                  <a:spcAft>
-                    <a:spcPts val="100"/>
-                  </a:spcAft>
-                </a:pPr>
-                <a:r>
-                  <a:rPr lang="en-US" sz="800" dirty="0">
-                    <a:solidFill>
-                      <a:schemeClr val="bg2"/>
-                    </a:solidFill>
-                    <a:ea typeface="Segoe UI" pitchFamily="34" charset="0"/>
-                    <a:cs typeface="Segoe UI" pitchFamily="34" charset="0"/>
-                  </a:rPr>
-                  <a:t>C33 M33 Y33 K100</a:t>
-                </a:r>
-              </a:p>
-              <a:p>
-                <a:pPr defTabSz="932472" fontAlgn="base">
-                  <a:spcBef>
-                    <a:spcPct val="0"/>
-                  </a:spcBef>
-                  <a:spcAft>
-                    <a:spcPts val="100"/>
-                  </a:spcAft>
-                </a:pPr>
-                <a:r>
-                  <a:rPr lang="en-US" sz="800" dirty="0">
-                    <a:solidFill>
-                      <a:schemeClr val="bg2"/>
-                    </a:solidFill>
-                    <a:ea typeface="Segoe UI" pitchFamily="34" charset="0"/>
-                    <a:cs typeface="Segoe UI" pitchFamily="34" charset="0"/>
-                  </a:rPr>
-                  <a:t>Pantone Black 6</a:t>
-                </a:r>
-              </a:p>
-            </p:txBody>
-          </p:sp>
-        </p:grpSp>
-      </p:grpSp>
-      <p:sp>
-        <p:nvSpPr>
-          <p:cNvPr id="7" name="Text Placeholder 3">
-            <a:extLst>
-              <a:ext uri="{FF2B5EF4-FFF2-40B4-BE49-F238E27FC236}">
-                <a16:creationId xmlns:a16="http://schemas.microsoft.com/office/drawing/2014/main" id="{A7FD0181-C190-4154-AEF5-49F6F17801E3}"/>
-              </a:ext>
-            </a:extLst>
-          </p:cNvPr>
-          <p:cNvSpPr txBox="1">
-            <a:spLocks/>
-          </p:cNvSpPr>
-          <p:nvPr/>
-        </p:nvSpPr>
-        <p:spPr>
-          <a:xfrm>
-            <a:off x="432517" y="3998793"/>
-            <a:ext cx="11584705" cy="492594"/>
-          </a:xfrm>
-          <a:prstGeom prst="rect">
-            <a:avLst/>
-          </a:prstGeom>
-        </p:spPr>
-        <p:txBody>
-          <a:bodyPr lIns="0" tIns="0" rIns="0" bIns="0" numCol="1"/>
-          <a:lstStyle>
-            <a:lvl1pPr marL="224097" marR="0" indent="-224097" algn="l" defTabSz="914367" rtl="0" eaLnBrk="1" fontAlgn="auto" latinLnBrk="0" hangingPunct="1">
-              <a:lnSpc>
-                <a:spcPct val="90000"/>
-              </a:lnSpc>
-              <a:spcBef>
-                <a:spcPct val="20000"/>
-              </a:spcBef>
-              <a:spcAft>
-                <a:spcPts val="0"/>
-              </a:spcAft>
-              <a:buClrTx/>
-              <a:buSzPct val="90000"/>
-              <a:buFont typeface="Wingdings" panose="05000000000000000000" pitchFamily="2" charset="2"/>
-              <a:buChar char=""/>
-              <a:tabLst/>
-              <a:defRPr sz="2000" b="0" kern="1200" spc="0" baseline="0">
-                <a:gradFill>
-                  <a:gsLst>
-                    <a:gs pos="1250">
-                      <a:schemeClr val="tx1"/>
-                    </a:gs>
-                    <a:gs pos="100000">
-                      <a:schemeClr val="tx1"/>
-                    </a:gs>
-                  </a:gsLst>
-                  <a:lin ang="5400000" scaled="0"/>
-                </a:gradFill>
-                <a:latin typeface="+mn-lt"/>
-                <a:ea typeface="+mn-ea"/>
-                <a:cs typeface="+mn-cs"/>
-              </a:defRPr>
-            </a:lvl1pPr>
-            <a:lvl2pPr marL="448193" marR="0" indent="-224097" algn="l" defTabSz="914367" rtl="0" eaLnBrk="1" fontAlgn="auto" latinLnBrk="0" hangingPunct="1">
-              <a:lnSpc>
-                <a:spcPct val="90000"/>
-              </a:lnSpc>
-              <a:spcBef>
-                <a:spcPct val="20000"/>
-              </a:spcBef>
-              <a:spcAft>
-                <a:spcPts val="0"/>
-              </a:spcAft>
-              <a:buClrTx/>
-              <a:buSzPct val="90000"/>
-              <a:buFont typeface="Wingdings" panose="05000000000000000000" pitchFamily="2" charset="2"/>
-              <a:buChar char=""/>
-              <a:tabLst/>
-              <a:defRPr sz="1800" b="0" kern="1200" spc="0" baseline="0">
-                <a:gradFill>
-                  <a:gsLst>
-                    <a:gs pos="1250">
-                      <a:schemeClr val="tx1"/>
-                    </a:gs>
-                    <a:gs pos="100000">
-                      <a:schemeClr val="tx1"/>
-                    </a:gs>
-                  </a:gsLst>
-                  <a:lin ang="5400000" scaled="0"/>
-                </a:gradFill>
-                <a:latin typeface="+mn-lt"/>
-                <a:ea typeface="+mn-ea"/>
-                <a:cs typeface="+mn-cs"/>
-              </a:defRPr>
-            </a:lvl2pPr>
-            <a:lvl3pPr marL="672290" marR="0" indent="-224097" algn="l" defTabSz="914367" rtl="0" eaLnBrk="1" fontAlgn="auto" latinLnBrk="0" hangingPunct="1">
-              <a:lnSpc>
-                <a:spcPct val="90000"/>
-              </a:lnSpc>
-              <a:spcBef>
-                <a:spcPct val="20000"/>
-              </a:spcBef>
-              <a:spcAft>
-                <a:spcPts val="0"/>
-              </a:spcAft>
-              <a:buClrTx/>
-              <a:buSzPct val="90000"/>
-              <a:buFont typeface="Wingdings" panose="05000000000000000000" pitchFamily="2" charset="2"/>
-              <a:buChar char=""/>
-              <a:tabLst/>
-              <a:defRPr sz="1600" b="0" kern="1200" spc="0" baseline="0">
-                <a:gradFill>
-                  <a:gsLst>
-                    <a:gs pos="1250">
-                      <a:schemeClr val="tx1"/>
-                    </a:gs>
-                    <a:gs pos="100000">
-                      <a:schemeClr val="tx1"/>
-                    </a:gs>
-                  </a:gsLst>
-                  <a:lin ang="5400000" scaled="0"/>
-                </a:gradFill>
-                <a:latin typeface="+mn-lt"/>
-                <a:ea typeface="+mn-ea"/>
-                <a:cs typeface="+mn-cs"/>
-              </a:defRPr>
-            </a:lvl3pPr>
-            <a:lvl4pPr marL="896386" marR="0" indent="-224097" algn="l" defTabSz="914367" rtl="0" eaLnBrk="1" fontAlgn="auto" latinLnBrk="0" hangingPunct="1">
-              <a:lnSpc>
-                <a:spcPct val="90000"/>
-              </a:lnSpc>
-              <a:spcBef>
-                <a:spcPct val="20000"/>
-              </a:spcBef>
-              <a:spcAft>
-                <a:spcPts val="0"/>
-              </a:spcAft>
-              <a:buClrTx/>
-              <a:buSzPct val="90000"/>
-              <a:buFont typeface="Wingdings" panose="05000000000000000000" pitchFamily="2" charset="2"/>
-              <a:buChar char=""/>
-              <a:tabLst/>
-              <a:defRPr sz="1600" b="0" kern="1200" spc="0" baseline="0">
-                <a:gradFill>
-                  <a:gsLst>
-                    <a:gs pos="1250">
-                      <a:schemeClr val="tx1"/>
-                    </a:gs>
-                    <a:gs pos="100000">
-                      <a:schemeClr val="tx1"/>
-                    </a:gs>
-                  </a:gsLst>
-                  <a:lin ang="5400000" scaled="0"/>
-                </a:gradFill>
-                <a:latin typeface="+mn-lt"/>
-                <a:ea typeface="+mn-ea"/>
-                <a:cs typeface="+mn-cs"/>
-              </a:defRPr>
-            </a:lvl4pPr>
-            <a:lvl5pPr marL="1120483" marR="0" indent="-224097" algn="l" defTabSz="914367" rtl="0" eaLnBrk="1" fontAlgn="auto" latinLnBrk="0" hangingPunct="1">
-              <a:lnSpc>
-                <a:spcPct val="90000"/>
-              </a:lnSpc>
-              <a:spcBef>
-                <a:spcPct val="20000"/>
-              </a:spcBef>
-              <a:spcAft>
-                <a:spcPts val="0"/>
-              </a:spcAft>
-              <a:buClrTx/>
-              <a:buSzPct val="90000"/>
-              <a:buFont typeface="Wingdings" panose="05000000000000000000" pitchFamily="2" charset="2"/>
-              <a:buChar char=""/>
-              <a:tabLst/>
-              <a:defRPr lang="en-US" sz="1600" b="0" kern="1200" spc="0" baseline="0" dirty="0">
-                <a:gradFill>
-                  <a:gsLst>
-                    <a:gs pos="1250">
-                      <a:schemeClr val="tx1"/>
-                    </a:gs>
-                    <a:gs pos="100000">
-                      <a:schemeClr val="tx1"/>
-                    </a:gs>
-                  </a:gsLst>
-                  <a:lin ang="5400000" scaled="0"/>
-                </a:gradFill>
-                <a:latin typeface="+mn-lt"/>
-                <a:ea typeface="+mn-ea"/>
-                <a:cs typeface="+mn-cs"/>
-              </a:defRPr>
-            </a:lvl5pPr>
-            <a:lvl6pPr marL="1371600" indent="-223838" algn="l" defTabSz="914367" rtl="0" eaLnBrk="1" latinLnBrk="0" hangingPunct="1">
-              <a:spcBef>
-                <a:spcPct val="20000"/>
-              </a:spcBef>
-              <a:buSzPct val="90000"/>
-              <a:buFont typeface="Arial" panose="020B0604020202020204" pitchFamily="34" charset="0"/>
-              <a:buChar char="•"/>
-              <a:defRPr sz="1400" kern="1200">
-                <a:solidFill>
-                  <a:schemeClr val="tx1"/>
-                </a:solidFill>
-                <a:latin typeface="+mn-lt"/>
-                <a:ea typeface="+mn-ea"/>
-                <a:cs typeface="+mn-cs"/>
-              </a:defRPr>
-            </a:lvl6pPr>
-            <a:lvl7pPr marL="1371600" indent="-223838" algn="l" defTabSz="933450" rtl="0" eaLnBrk="1" latinLnBrk="0" hangingPunct="1">
-              <a:spcBef>
-                <a:spcPct val="20000"/>
-              </a:spcBef>
-              <a:buFont typeface="Arial" pitchFamily="34" charset="0"/>
-              <a:buChar char="•"/>
-              <a:defRPr sz="1961" kern="1200">
-                <a:solidFill>
-                  <a:schemeClr val="tx1"/>
-                </a:solidFill>
-                <a:latin typeface="+mn-lt"/>
-                <a:ea typeface="+mn-ea"/>
-                <a:cs typeface="+mn-cs"/>
-              </a:defRPr>
-            </a:lvl7pPr>
-            <a:lvl8pPr marL="3428877" indent="-228592" algn="l" defTabSz="914367" rtl="0" eaLnBrk="1" latinLnBrk="0" hangingPunct="1">
-              <a:spcBef>
-                <a:spcPct val="20000"/>
-              </a:spcBef>
-              <a:buFont typeface="Arial" pitchFamily="34" charset="0"/>
-              <a:buChar char="•"/>
-              <a:defRPr sz="1961" kern="1200">
-                <a:solidFill>
-                  <a:schemeClr val="tx1"/>
-                </a:solidFill>
-                <a:latin typeface="+mn-lt"/>
-                <a:ea typeface="+mn-ea"/>
-                <a:cs typeface="+mn-cs"/>
-              </a:defRPr>
-            </a:lvl8pPr>
-            <a:lvl9pPr marL="3886061" indent="-228592" algn="l" defTabSz="914367" rtl="0" eaLnBrk="1" latinLnBrk="0" hangingPunct="1">
-              <a:spcBef>
-                <a:spcPct val="20000"/>
-              </a:spcBef>
-              <a:buFont typeface="Arial" pitchFamily="34" charset="0"/>
-              <a:buChar char="•"/>
-              <a:defRPr sz="1961" kern="1200">
-                <a:solidFill>
-                  <a:schemeClr val="tx1"/>
-                </a:solidFill>
-                <a:latin typeface="+mn-lt"/>
-                <a:ea typeface="+mn-ea"/>
-                <a:cs typeface="+mn-cs"/>
-              </a:defRPr>
-            </a:lvl9pPr>
-          </a:lstStyle>
-          <a:p>
-            <a:pPr marL="0" indent="0">
-              <a:spcBef>
-                <a:spcPts val="0"/>
-              </a:spcBef>
-              <a:spcAft>
-                <a:spcPts val="1300"/>
-              </a:spcAft>
-              <a:buNone/>
-            </a:pPr>
-            <a:r>
-              <a:rPr lang="en-US" dirty="0">
-                <a:solidFill>
-                  <a:srgbClr val="000000"/>
-                </a:solidFill>
-              </a:rPr>
-              <a:t>Color usage for illustration and chart/graphs</a:t>
-            </a:r>
-          </a:p>
-        </p:txBody>
-      </p:sp>
-      <p:sp>
-        <p:nvSpPr>
-          <p:cNvPr id="22" name="Text Placeholder 21">
-            <a:extLst>
-              <a:ext uri="{FF2B5EF4-FFF2-40B4-BE49-F238E27FC236}">
-                <a16:creationId xmlns:a16="http://schemas.microsoft.com/office/drawing/2014/main" id="{A8B704CF-5596-460D-BC3E-8DEDA904F592}"/>
-              </a:ext>
-            </a:extLst>
-          </p:cNvPr>
-          <p:cNvSpPr>
-            <a:spLocks noGrp="1"/>
-          </p:cNvSpPr>
-          <p:nvPr>
-            <p:ph type="body" sz="quarter" idx="10"/>
-          </p:nvPr>
-        </p:nvSpPr>
-        <p:spPr>
-          <a:xfrm>
-            <a:off x="427067" y="2193381"/>
-            <a:ext cx="11582371" cy="720710"/>
-          </a:xfrm>
-        </p:spPr>
-        <p:txBody>
-          <a:bodyPr/>
-          <a:lstStyle/>
-          <a:p>
-            <a:r>
-              <a:rPr lang="en-US" sz="2000" dirty="0"/>
-              <a:t>Photography libraries</a:t>
-            </a:r>
-          </a:p>
-          <a:p>
-            <a:pPr indent="-44"/>
-            <a:r>
-              <a:rPr lang="en-US" sz="2000" dirty="0">
-                <a:solidFill>
-                  <a:schemeClr val="accent1"/>
-                </a:solidFill>
-                <a:hlinkClick r:id="rId3"/>
-              </a:rPr>
-              <a:t>Microsoft 365</a:t>
-            </a:r>
-            <a:r>
-              <a:rPr lang="en-US" sz="2000" dirty="0">
-                <a:solidFill>
-                  <a:schemeClr val="accent1"/>
-                </a:solidFill>
-              </a:rPr>
-              <a:t> </a:t>
-            </a:r>
-            <a:r>
-              <a:rPr lang="en-US" sz="2000" dirty="0"/>
-              <a:t>/ </a:t>
-            </a:r>
-            <a:r>
-              <a:rPr lang="en-US" sz="2000" dirty="0">
-                <a:solidFill>
-                  <a:schemeClr val="accent1"/>
-                </a:solidFill>
-                <a:hlinkClick r:id="rId4"/>
-              </a:rPr>
-              <a:t>Enterprise</a:t>
-            </a:r>
-            <a:r>
-              <a:rPr lang="en-US" sz="2000" dirty="0"/>
-              <a:t> / </a:t>
-            </a:r>
-            <a:r>
-              <a:rPr lang="en-US" sz="2000" dirty="0">
-                <a:solidFill>
-                  <a:schemeClr val="accent1"/>
-                </a:solidFill>
-                <a:hlinkClick r:id="rId5"/>
-              </a:rPr>
-              <a:t>Business</a:t>
-            </a:r>
-            <a:r>
-              <a:rPr lang="en-US" sz="2000" dirty="0">
-                <a:solidFill>
-                  <a:schemeClr val="accent1"/>
-                </a:solidFill>
-              </a:rPr>
-              <a:t> </a:t>
-            </a:r>
-            <a:r>
-              <a:rPr lang="en-US" sz="2000" dirty="0"/>
-              <a:t>/</a:t>
-            </a:r>
-            <a:r>
-              <a:rPr lang="en-US" sz="2000" dirty="0">
-                <a:solidFill>
-                  <a:schemeClr val="accent1"/>
-                </a:solidFill>
-              </a:rPr>
-              <a:t> </a:t>
-            </a:r>
-            <a:r>
-              <a:rPr lang="en-US" sz="2000" dirty="0">
-                <a:solidFill>
-                  <a:schemeClr val="accent1"/>
-                </a:solidFill>
-                <a:hlinkClick r:id="rId6"/>
-              </a:rPr>
-              <a:t>Education</a:t>
-            </a:r>
-            <a:endParaRPr lang="en-US" sz="2000" dirty="0">
-              <a:solidFill>
-                <a:schemeClr val="accent1"/>
-              </a:solidFill>
-            </a:endParaRPr>
-          </a:p>
-        </p:txBody>
-      </p:sp>
-      <p:sp>
-        <p:nvSpPr>
-          <p:cNvPr id="21" name="TextBox 20">
-            <a:extLst>
-              <a:ext uri="{FF2B5EF4-FFF2-40B4-BE49-F238E27FC236}">
-                <a16:creationId xmlns:a16="http://schemas.microsoft.com/office/drawing/2014/main" id="{A5E51890-1CD2-5247-85F1-E7E0D4F2BFFC}"/>
-              </a:ext>
-            </a:extLst>
-          </p:cNvPr>
-          <p:cNvSpPr txBox="1"/>
-          <p:nvPr/>
-        </p:nvSpPr>
-        <p:spPr>
-          <a:xfrm>
-            <a:off x="-1" y="0"/>
-            <a:ext cx="12436475" cy="627864"/>
-          </a:xfrm>
-          <a:prstGeom prst="rect">
-            <a:avLst/>
-          </a:prstGeom>
-          <a:solidFill>
-            <a:srgbClr val="000000"/>
-          </a:solidFill>
-        </p:spPr>
-        <p:txBody>
-          <a:bodyPr wrap="square" lIns="182880" tIns="146304" rIns="182880" bIns="146304" rtlCol="0">
-            <a:spAutoFit/>
-          </a:bodyPr>
-          <a:lstStyle/>
-          <a:p>
-            <a:pPr algn="ctr">
-              <a:lnSpc>
-                <a:spcPct val="90000"/>
-              </a:lnSpc>
-              <a:spcAft>
-                <a:spcPts val="600"/>
-              </a:spcAft>
-            </a:pPr>
-            <a:r>
-              <a:rPr lang="en-US" sz="2400" dirty="0">
-                <a:solidFill>
-                  <a:schemeClr val="bg2"/>
-                </a:solidFill>
-              </a:rPr>
-              <a:t>Delete these slides before distribution. They are intended only for guidance. </a:t>
-            </a:r>
-          </a:p>
-        </p:txBody>
-      </p:sp>
-      <p:sp>
-        <p:nvSpPr>
-          <p:cNvPr id="23" name="Title 2">
-            <a:extLst>
-              <a:ext uri="{FF2B5EF4-FFF2-40B4-BE49-F238E27FC236}">
-                <a16:creationId xmlns:a16="http://schemas.microsoft.com/office/drawing/2014/main" id="{8F94FF5E-C5E1-4844-A5C4-C935F38769EF}"/>
-              </a:ext>
-            </a:extLst>
-          </p:cNvPr>
-          <p:cNvSpPr txBox="1">
-            <a:spLocks/>
-          </p:cNvSpPr>
-          <p:nvPr/>
-        </p:nvSpPr>
-        <p:spPr>
-          <a:xfrm>
-            <a:off x="427067" y="1028707"/>
-            <a:ext cx="7111417" cy="1164674"/>
-          </a:xfrm>
-          <a:prstGeom prst="rect">
-            <a:avLst/>
-          </a:prstGeom>
-        </p:spPr>
-        <p:txBody>
-          <a:bodyPr vert="horz" wrap="square" lIns="0" tIns="164592" rIns="0" bIns="0" rtlCol="0" anchor="t">
-            <a:noAutofit/>
-          </a:bodyPr>
-          <a:lstStyle>
-            <a:lvl1pPr algn="l" defTabSz="932742" rtl="0" eaLnBrk="1" latinLnBrk="0" hangingPunct="1">
-              <a:lnSpc>
-                <a:spcPct val="90000"/>
-              </a:lnSpc>
-              <a:spcBef>
-                <a:spcPct val="0"/>
-              </a:spcBef>
-              <a:buNone/>
-              <a:defRPr lang="en-US" sz="3200" b="0" kern="1200" cap="none" spc="-150" baseline="0">
-                <a:ln w="3175">
-                  <a:noFill/>
-                </a:ln>
-                <a:solidFill>
-                  <a:srgbClr val="000000"/>
-                </a:solidFill>
-                <a:effectLst/>
-                <a:latin typeface="+mj-lt"/>
-                <a:ea typeface="+mn-ea"/>
-                <a:cs typeface="Segoe UI" pitchFamily="34" charset="0"/>
-              </a:defRPr>
-            </a:lvl1pPr>
-          </a:lstStyle>
-          <a:p>
-            <a:r>
-              <a:rPr lang="en-US"/>
-              <a:t>Microsoft 365 PPT template best practices</a:t>
-            </a:r>
-            <a:endParaRPr lang="en-US" dirty="0"/>
-          </a:p>
-        </p:txBody>
-      </p:sp>
-    </p:spTree>
-    <p:extLst>
-      <p:ext uri="{BB962C8B-B14F-4D97-AF65-F5344CB8AC3E}">
-        <p14:creationId xmlns:p14="http://schemas.microsoft.com/office/powerpoint/2010/main" val="4169764989"/>
-      </p:ext>
-    </p:extLst>
-  </p:cSld>
-  <p:clrMapOvr>
-    <a:masterClrMapping/>
-  </p:clrMapOvr>
-  <mc:AlternateContent xmlns:mc="http://schemas.openxmlformats.org/markup-compatibility/2006" xmlns:p14="http://schemas.microsoft.com/office/powerpoint/2010/main">
-    <mc:Choice Requires="p14">
-      <p:transition spd="med" p14:dur="700">
-        <p:fade/>
-      </p:transition>
-    </mc:Choice>
-    <mc:Fallback xmlns="">
-      <p:transition spd="med">
-        <p:fade/>
-      </p:transition>
-    </mc:Fallback>
-  </mc:AlternateContent>
-</p:sld>
-</file>
-
-<file path=ppt/slides/slide10.xml><?xml version="1.0" encoding="utf-8"?>
 <p:sld xmlns:a="http://schemas.openxmlformats.org/drawingml/2006/main" xmlns:r="http://schemas.openxmlformats.org/officeDocument/2006/relationships" xmlns:p="http://schemas.openxmlformats.org/presentationml/2006/main">
   <p:cSld>
     <p:spTree>
@@ -8978,10 +6679,10 @@
       </p:grpSpPr>
       <p:sp>
         <p:nvSpPr>
-          <p:cNvPr id="5" name="Title 4">
+          <p:cNvPr id="7" name="Title 6">
             <a:extLst>
               <a:ext uri="{FF2B5EF4-FFF2-40B4-BE49-F238E27FC236}">
-                <a16:creationId xmlns:a16="http://schemas.microsoft.com/office/drawing/2014/main" id="{70AE714E-1883-494F-9ADD-A3CFCC49A8A2}"/>
+                <a16:creationId xmlns:a16="http://schemas.microsoft.com/office/drawing/2014/main" id="{B5B20D92-C3B3-415E-98D3-AF1BBCFF879B}"/>
               </a:ext>
             </a:extLst>
           </p:cNvPr>
@@ -8998,16 +6699,88 @@
           <a:lstStyle/>
           <a:p>
             <a:r>
-              <a:rPr lang="en-US" dirty="0"/>
-              <a:t>Thank you.</a:t>
-            </a:r>
+              <a:rPr lang="en-US" dirty="0">
+                <a:solidFill>
+                  <a:schemeClr val="accent1"/>
+                </a:solidFill>
+              </a:rPr>
+              <a:t>T</a:t>
+            </a:r>
+            <a:r>
+              <a:rPr lang="en-US" altLang="zh-CN" dirty="0">
+                <a:solidFill>
+                  <a:schemeClr val="accent1"/>
+                </a:solidFill>
+              </a:rPr>
+              <a:t>ok </a:t>
+            </a:r>
+            <a:r>
+              <a:rPr lang="en-US" altLang="zh-CN" dirty="0" err="1">
+                <a:solidFill>
+                  <a:schemeClr val="accent1"/>
+                </a:solidFill>
+              </a:rPr>
+              <a:t>Tik</a:t>
+            </a:r>
+            <a:br>
+              <a:rPr lang="en-US" dirty="0"/>
+            </a:br>
+            <a:r>
+              <a:rPr lang="zh-CN" altLang="en-US" dirty="0"/>
+              <a:t>简单短视频 </a:t>
+            </a:r>
+            <a:r>
+              <a:rPr lang="en-US" altLang="zh-CN" dirty="0"/>
+              <a:t>Demo </a:t>
+            </a:r>
+            <a:r>
+              <a:rPr lang="zh-CN" altLang="en-US" dirty="0"/>
+              <a:t>的设计与实现</a:t>
+            </a:r>
+            <a:endParaRPr lang="en-US" dirty="0"/>
+          </a:p>
+        </p:txBody>
+      </p:sp>
+      <p:sp>
+        <p:nvSpPr>
+          <p:cNvPr id="8" name="Text Placeholder 7">
+            <a:extLst>
+              <a:ext uri="{FF2B5EF4-FFF2-40B4-BE49-F238E27FC236}">
+                <a16:creationId xmlns:a16="http://schemas.microsoft.com/office/drawing/2014/main" id="{3D6862C8-1B3E-4988-9E19-C8B385AF4C80}"/>
+              </a:ext>
+            </a:extLst>
+          </p:cNvPr>
+          <p:cNvSpPr>
+            <a:spLocks noGrp="1"/>
+          </p:cNvSpPr>
+          <p:nvPr>
+            <p:ph type="body" sz="quarter" idx="12"/>
+          </p:nvPr>
+        </p:nvSpPr>
+        <p:spPr/>
+        <p:txBody>
+          <a:bodyPr/>
+          <a:lstStyle/>
+          <a:p>
+            <a:r>
+              <a:rPr lang="zh-CN" altLang="en-US" dirty="0"/>
+              <a:t>于海鑫</a:t>
+            </a:r>
+            <a:endParaRPr lang="en-US" dirty="0"/>
+          </a:p>
+          <a:p>
+            <a:r>
+              <a:rPr lang="en-US" altLang="zh-CN" dirty="0"/>
+              <a:t>2020/05/30</a:t>
+            </a:r>
+            <a:endParaRPr lang="en-US" dirty="0"/>
           </a:p>
         </p:txBody>
       </p:sp>
     </p:spTree>
     <p:extLst>
       <p:ext uri="{BB962C8B-B14F-4D97-AF65-F5344CB8AC3E}">
-        <p14:creationId xmlns:p14="http://schemas.microsoft.com/office/powerpoint/2010/main" val="1876972166"/>
+        <p14:creationId xmlns:p14="http://schemas.microsoft.com/office/powerpoint/2010/main" val="110898965"/>
       </p:ext>
     </p:extLst>
   </p:cSld>
@@ -9048,10 +6821,10 @@
       </p:grpSpPr>
       <p:sp>
         <p:nvSpPr>
-          <p:cNvPr id="7" name="Title 6">
+          <p:cNvPr id="2" name="Title 1">
             <a:extLst>
               <a:ext uri="{FF2B5EF4-FFF2-40B4-BE49-F238E27FC236}">
-                <a16:creationId xmlns:a16="http://schemas.microsoft.com/office/drawing/2014/main" id="{B5B20D92-C3B3-415E-98D3-AF1BBCFF879B}"/>
+                <a16:creationId xmlns:a16="http://schemas.microsoft.com/office/drawing/2014/main" id="{5B3D1EE3-FA19-4E33-9033-74846274C93F}"/>
               </a:ext>
             </a:extLst>
           </p:cNvPr>
@@ -9068,43 +6841,8 @@
           <a:lstStyle/>
           <a:p>
             <a:r>
-              <a:rPr lang="en-US" dirty="0">
-                <a:solidFill>
-                  <a:schemeClr val="accent1"/>
-                </a:solidFill>
-              </a:rPr>
-              <a:t>T</a:t>
-            </a:r>
-            <a:r>
-              <a:rPr lang="en-US" altLang="zh-CN" dirty="0">
-                <a:solidFill>
-                  <a:schemeClr val="accent1"/>
-                </a:solidFill>
-              </a:rPr>
-              <a:t>ok </a:t>
-            </a:r>
-            <a:r>
-              <a:rPr lang="en-US" altLang="zh-CN" dirty="0" err="1">
-                <a:solidFill>
-                  <a:schemeClr val="accent1"/>
-                </a:solidFill>
-              </a:rPr>
-              <a:t>Tik</a:t>
-            </a:r>
-            <a:br>
-              <a:rPr lang="en-US" dirty="0"/>
-            </a:br>
-            <a:r>
               <a:rPr lang="zh-CN" altLang="en-US" dirty="0"/>
-              <a:t>简单短视频 </a:t>
-            </a:r>
-            <a:r>
-              <a:rPr lang="en-US" altLang="zh-CN" dirty="0"/>
-              <a:t>Demo </a:t>
-            </a:r>
-            <a:r>
-              <a:rPr lang="zh-CN" altLang="en-US" dirty="0"/>
-              <a:t>的设计与实现</a:t>
+              <a:t>目录</a:t>
             </a:r>
             <a:endParaRPr lang="en-US" dirty="0"/>
           </a:p>
@@ -9112,10 +6850,10 @@
       </p:sp>
       <p:sp>
         <p:nvSpPr>
-          <p:cNvPr id="8" name="Text Placeholder 7">
+          <p:cNvPr id="3" name="Text Placeholder 2">
             <a:extLst>
               <a:ext uri="{FF2B5EF4-FFF2-40B4-BE49-F238E27FC236}">
-                <a16:creationId xmlns:a16="http://schemas.microsoft.com/office/drawing/2014/main" id="{3D6862C8-1B3E-4988-9E19-C8B385AF4C80}"/>
+                <a16:creationId xmlns:a16="http://schemas.microsoft.com/office/drawing/2014/main" id="{E501477C-3327-4651-B492-560C1D7B2E9B}"/>
               </a:ext>
             </a:extLst>
           </p:cNvPr>
@@ -9123,7 +6861,7 @@
             <a:spLocks noGrp="1"/>
           </p:cNvSpPr>
           <p:nvPr>
-            <p:ph type="body" sz="quarter" idx="12"/>
+            <p:ph type="body" sz="quarter" idx="10"/>
           </p:nvPr>
         </p:nvSpPr>
         <p:spPr/>
@@ -9132,42 +6870,118 @@
           <a:lstStyle/>
           <a:p>
             <a:r>
-              <a:rPr lang="zh-CN" altLang="en-US" dirty="0"/>
-              <a:t>于海鑫</a:t>
-            </a:r>
-            <a:endParaRPr lang="en-US" dirty="0"/>
-          </a:p>
-          <a:p>
-            <a:r>
-              <a:rPr lang="en-US" altLang="zh-CN" dirty="0"/>
-              <a:t>2020/05/30</a:t>
-            </a:r>
-            <a:endParaRPr lang="en-US" dirty="0"/>
+              <a:rPr lang="en-US" dirty="0"/>
+              <a:t>##	</a:t>
+            </a:r>
+            <a:r>
+              <a:rPr lang="zh-CN" altLang="en-US" dirty="0">
+                <a:solidFill>
+                  <a:srgbClr val="000000"/>
+                </a:solidFill>
+                <a:latin typeface="+mn-lt"/>
+              </a:rPr>
+              <a:t>任务要求</a:t>
+            </a:r>
+            <a:endParaRPr lang="en-US" dirty="0">
+              <a:solidFill>
+                <a:srgbClr val="000000"/>
+              </a:solidFill>
+              <a:latin typeface="+mn-lt"/>
+            </a:endParaRPr>
+          </a:p>
+          <a:p>
+            <a:r>
+              <a:rPr lang="en-US" dirty="0"/>
+              <a:t>##	</a:t>
+            </a:r>
+            <a:r>
+              <a:rPr lang="zh-CN" altLang="en-US" dirty="0">
+                <a:solidFill>
+                  <a:srgbClr val="000000"/>
+                </a:solidFill>
+                <a:latin typeface="+mn-lt"/>
+              </a:rPr>
+              <a:t>基础要求</a:t>
+            </a:r>
+            <a:endParaRPr lang="en-US" dirty="0">
+              <a:solidFill>
+                <a:srgbClr val="000000"/>
+              </a:solidFill>
+              <a:latin typeface="+mn-lt"/>
+            </a:endParaRPr>
+          </a:p>
+          <a:p>
+            <a:r>
+              <a:rPr lang="en-US" dirty="0"/>
+              <a:t>##	</a:t>
+            </a:r>
+            <a:r>
+              <a:rPr lang="zh-CN" altLang="en-US" dirty="0">
+                <a:solidFill>
+                  <a:srgbClr val="000000"/>
+                </a:solidFill>
+                <a:latin typeface="+mn-lt"/>
+              </a:rPr>
+              <a:t>可选要求</a:t>
+            </a:r>
+            <a:endParaRPr lang="en-US" dirty="0">
+              <a:solidFill>
+                <a:srgbClr val="000000"/>
+              </a:solidFill>
+              <a:latin typeface="+mn-lt"/>
+            </a:endParaRPr>
+          </a:p>
+          <a:p>
+            <a:r>
+              <a:rPr lang="en-US" dirty="0"/>
+              <a:t>##	</a:t>
+            </a:r>
+            <a:r>
+              <a:rPr lang="zh-CN" altLang="en-US" dirty="0">
+                <a:solidFill>
+                  <a:srgbClr val="000000"/>
+                </a:solidFill>
+                <a:latin typeface="+mn-lt"/>
+              </a:rPr>
+              <a:t>创新点</a:t>
+            </a:r>
+            <a:endParaRPr lang="en-US" dirty="0">
+              <a:solidFill>
+                <a:srgbClr val="000000"/>
+              </a:solidFill>
+              <a:latin typeface="+mn-lt"/>
+            </a:endParaRPr>
+          </a:p>
+          <a:p>
+            <a:r>
+              <a:rPr lang="en-US" dirty="0"/>
+              <a:t>##	</a:t>
+            </a:r>
+            <a:r>
+              <a:rPr lang="zh-CN" altLang="en-US" dirty="0">
+                <a:solidFill>
+                  <a:srgbClr val="000000"/>
+                </a:solidFill>
+                <a:latin typeface="+mn-lt"/>
+              </a:rPr>
+              <a:t>难点</a:t>
+            </a:r>
           </a:p>
         </p:txBody>
       </p:sp>
     </p:spTree>
     <p:extLst>
       <p:ext uri="{BB962C8B-B14F-4D97-AF65-F5344CB8AC3E}">
-        <p14:creationId xmlns:p14="http://schemas.microsoft.com/office/powerpoint/2010/main" val="110898965"/>
+        <p14:creationId xmlns:p14="http://schemas.microsoft.com/office/powerpoint/2010/main" val="2094061337"/>
       </p:ext>
     </p:extLst>
   </p:cSld>
   <p:clrMapOvr>
     <a:masterClrMapping/>
   </p:clrMapOvr>
-  <mc:AlternateContent xmlns:mc="http://schemas.openxmlformats.org/markup-compatibility/2006" xmlns:p14="http://schemas.microsoft.com/office/powerpoint/2010/main">
-    <mc:Choice Requires="p14">
-      <p:transition spd="med" p14:dur="700">
-        <p:fade/>
-      </p:transition>
-    </mc:Choice>
-    <mc:Fallback xmlns="">
-      <p:transition spd="med">
-        <p:fade/>
-      </p:transition>
-    </mc:Fallback>
-  </mc:AlternateContent>
+  <p:transition>
+    <p:fade/>
+  </p:transition>
 </p:sld>
 </file>
 
@@ -9190,189 +7004,6 @@
       </p:grpSpPr>
       <p:sp>
         <p:nvSpPr>
-          <p:cNvPr id="2" name="Title 1">
-            <a:extLst>
-              <a:ext uri="{FF2B5EF4-FFF2-40B4-BE49-F238E27FC236}">
-                <a16:creationId xmlns:a16="http://schemas.microsoft.com/office/drawing/2014/main" id="{5B3D1EE3-FA19-4E33-9033-74846274C93F}"/>
-              </a:ext>
-            </a:extLst>
-          </p:cNvPr>
-          <p:cNvSpPr>
-            <a:spLocks noGrp="1"/>
-          </p:cNvSpPr>
-          <p:nvPr>
-            <p:ph type="title"/>
-          </p:nvPr>
-        </p:nvSpPr>
-        <p:spPr/>
-        <p:txBody>
-          <a:bodyPr/>
-          <a:lstStyle/>
-          <a:p>
-            <a:r>
-              <a:rPr lang="zh-CN" altLang="en-US" dirty="0"/>
-              <a:t>目录</a:t>
-            </a:r>
-            <a:endParaRPr lang="en-US" dirty="0"/>
-          </a:p>
-        </p:txBody>
-      </p:sp>
-      <p:sp>
-        <p:nvSpPr>
-          <p:cNvPr id="3" name="Text Placeholder 2">
-            <a:extLst>
-              <a:ext uri="{FF2B5EF4-FFF2-40B4-BE49-F238E27FC236}">
-                <a16:creationId xmlns:a16="http://schemas.microsoft.com/office/drawing/2014/main" id="{E501477C-3327-4651-B492-560C1D7B2E9B}"/>
-              </a:ext>
-            </a:extLst>
-          </p:cNvPr>
-          <p:cNvSpPr>
-            <a:spLocks noGrp="1"/>
-          </p:cNvSpPr>
-          <p:nvPr>
-            <p:ph type="body" sz="quarter" idx="10"/>
-          </p:nvPr>
-        </p:nvSpPr>
-        <p:spPr/>
-        <p:txBody>
-          <a:bodyPr/>
-          <a:lstStyle/>
-          <a:p>
-            <a:r>
-              <a:rPr lang="en-US" dirty="0"/>
-              <a:t>##	</a:t>
-            </a:r>
-            <a:r>
-              <a:rPr lang="zh-CN" altLang="en-US" dirty="0">
-                <a:solidFill>
-                  <a:srgbClr val="000000"/>
-                </a:solidFill>
-                <a:latin typeface="+mn-lt"/>
-              </a:rPr>
-              <a:t>任务要求</a:t>
-            </a:r>
-            <a:endParaRPr lang="en-US" dirty="0">
-              <a:solidFill>
-                <a:srgbClr val="000000"/>
-              </a:solidFill>
-              <a:latin typeface="+mn-lt"/>
-            </a:endParaRPr>
-          </a:p>
-          <a:p>
-            <a:r>
-              <a:rPr lang="en-US" dirty="0"/>
-              <a:t>##	</a:t>
-            </a:r>
-            <a:r>
-              <a:rPr lang="zh-CN" altLang="en-US" dirty="0">
-                <a:solidFill>
-                  <a:srgbClr val="000000"/>
-                </a:solidFill>
-                <a:latin typeface="+mn-lt"/>
-              </a:rPr>
-              <a:t>基础要求</a:t>
-            </a:r>
-            <a:endParaRPr lang="en-US" dirty="0">
-              <a:solidFill>
-                <a:srgbClr val="000000"/>
-              </a:solidFill>
-              <a:latin typeface="+mn-lt"/>
-            </a:endParaRPr>
-          </a:p>
-          <a:p>
-            <a:r>
-              <a:rPr lang="en-US" dirty="0"/>
-              <a:t>##	</a:t>
-            </a:r>
-            <a:r>
-              <a:rPr lang="zh-CN" altLang="en-US" dirty="0">
-                <a:solidFill>
-                  <a:srgbClr val="000000"/>
-                </a:solidFill>
-                <a:latin typeface="+mn-lt"/>
-              </a:rPr>
-              <a:t>可选要求</a:t>
-            </a:r>
-            <a:endParaRPr lang="en-US" dirty="0">
-              <a:solidFill>
-                <a:srgbClr val="000000"/>
-              </a:solidFill>
-              <a:latin typeface="+mn-lt"/>
-            </a:endParaRPr>
-          </a:p>
-          <a:p>
-            <a:r>
-              <a:rPr lang="en-US" dirty="0"/>
-              <a:t>##	</a:t>
-            </a:r>
-            <a:r>
-              <a:rPr lang="zh-CN" altLang="en-US" dirty="0">
-                <a:solidFill>
-                  <a:srgbClr val="000000"/>
-                </a:solidFill>
-                <a:latin typeface="+mn-lt"/>
-              </a:rPr>
-              <a:t>创新点</a:t>
-            </a:r>
-            <a:endParaRPr lang="en-US" dirty="0">
-              <a:solidFill>
-                <a:srgbClr val="000000"/>
-              </a:solidFill>
-              <a:latin typeface="+mn-lt"/>
-            </a:endParaRPr>
-          </a:p>
-          <a:p>
-            <a:r>
-              <a:rPr lang="en-US" dirty="0"/>
-              <a:t>##	</a:t>
-            </a:r>
-            <a:r>
-              <a:rPr lang="zh-CN" altLang="en-US" dirty="0">
-                <a:solidFill>
-                  <a:srgbClr val="000000"/>
-                </a:solidFill>
-                <a:latin typeface="+mn-lt"/>
-              </a:rPr>
-              <a:t>难点</a:t>
-            </a:r>
-          </a:p>
-        </p:txBody>
-      </p:sp>
-    </p:spTree>
-    <p:extLst>
-      <p:ext uri="{BB962C8B-B14F-4D97-AF65-F5344CB8AC3E}">
-        <p14:creationId xmlns:p14="http://schemas.microsoft.com/office/powerpoint/2010/main" val="2094061337"/>
-      </p:ext>
-    </p:extLst>
-  </p:cSld>
-  <p:clrMapOvr>
-    <a:masterClrMapping/>
-  </p:clrMapOvr>
-  <p:transition>
-    <p:fade/>
-  </p:transition>
-</p:sld>
-</file>
-
-<file path=ppt/slides/slide4.xml><?xml version="1.0" encoding="utf-8"?>
-<p:sld xmlns:a="http://schemas.openxmlformats.org/drawingml/2006/main" xmlns:r="http://schemas.openxmlformats.org/officeDocument/2006/relationships" xmlns:p="http://schemas.openxmlformats.org/presentationml/2006/main">
-  <p:cSld>
-    <p:spTree>
-      <p:nvGrpSpPr>
-        <p:cNvPr id="1" name=""/>
-        <p:cNvGrpSpPr/>
-        <p:nvPr/>
-      </p:nvGrpSpPr>
-      <p:grpSpPr>
-        <a:xfrm>
-          <a:off x="0" y="0"/>
-          <a:ext cx="0" cy="0"/>
-          <a:chOff x="0" y="0"/>
-          <a:chExt cx="0" cy="0"/>
-        </a:xfrm>
-      </p:grpSpPr>
-      <p:sp>
-        <p:nvSpPr>
           <p:cNvPr id="5" name="文本占位符 4">
             <a:extLst>
               <a:ext uri="{FF2B5EF4-FFF2-40B4-BE49-F238E27FC236}">
@@ -9512,7 +7143,7 @@
 </p:sld>
 </file>
 
-<file path=ppt/slides/slide5.xml><?xml version="1.0" encoding="utf-8"?>
+<file path=ppt/slides/slide4.xml><?xml version="1.0" encoding="utf-8"?>
 <p:sld xmlns:a="http://schemas.openxmlformats.org/drawingml/2006/main" xmlns:r="http://schemas.openxmlformats.org/officeDocument/2006/relationships" xmlns:p="http://schemas.openxmlformats.org/presentationml/2006/main">
   <p:cSld>
     <p:spTree>
@@ -9653,7 +7284,7 @@
 </p:sld>
 </file>
 
-<file path=ppt/slides/slide6.xml><?xml version="1.0" encoding="utf-8"?>
+<file path=ppt/slides/slide5.xml><?xml version="1.0" encoding="utf-8"?>
 <p:sld xmlns:a="http://schemas.openxmlformats.org/drawingml/2006/main" xmlns:r="http://schemas.openxmlformats.org/officeDocument/2006/relationships" xmlns:p="http://schemas.openxmlformats.org/presentationml/2006/main">
   <p:cSld>
     <p:spTree>
@@ -10216,7 +7847,7 @@
 </p:sld>
 </file>
 
-<file path=ppt/slides/slide7.xml><?xml version="1.0" encoding="utf-8"?>
+<file path=ppt/slides/slide6.xml><?xml version="1.0" encoding="utf-8"?>
 <p:sld xmlns:a="http://schemas.openxmlformats.org/drawingml/2006/main" xmlns:r="http://schemas.openxmlformats.org/officeDocument/2006/relationships" xmlns:p="http://schemas.openxmlformats.org/presentationml/2006/main">
   <p:cSld>
     <p:spTree>
@@ -10515,6 +8146,192 @@
 </p:sld>
 </file>
 
+<file path=ppt/slides/slide7.xml><?xml version="1.0" encoding="utf-8"?>
+<p:sld xmlns:a="http://schemas.openxmlformats.org/drawingml/2006/main" xmlns:r="http://schemas.openxmlformats.org/officeDocument/2006/relationships" xmlns:p="http://schemas.openxmlformats.org/presentationml/2006/main">
+  <p:cSld>
+    <p:spTree>
+      <p:nvGrpSpPr>
+        <p:cNvPr id="1" name=""/>
+        <p:cNvGrpSpPr/>
+        <p:nvPr/>
+      </p:nvGrpSpPr>
+      <p:grpSpPr>
+        <a:xfrm>
+          <a:off x="0" y="0"/>
+          <a:ext cx="0" cy="0"/>
+          <a:chOff x="0" y="0"/>
+          <a:chExt cx="0" cy="0"/>
+        </a:xfrm>
+      </p:grpSpPr>
+      <p:sp>
+        <p:nvSpPr>
+          <p:cNvPr id="6" name="文本占位符 5">
+            <a:extLst>
+              <a:ext uri="{FF2B5EF4-FFF2-40B4-BE49-F238E27FC236}">
+                <a16:creationId xmlns:a16="http://schemas.microsoft.com/office/drawing/2014/main" id="{0308E66F-30AD-49AC-A425-77654B4D791E}"/>
+              </a:ext>
+            </a:extLst>
+          </p:cNvPr>
+          <p:cNvSpPr>
+            <a:spLocks noGrp="1"/>
+          </p:cNvSpPr>
+          <p:nvPr>
+            <p:ph type="body" sz="quarter" idx="10"/>
+          </p:nvPr>
+        </p:nvSpPr>
+        <p:spPr>
+          <a:xfrm>
+            <a:off x="446088" y="2184023"/>
+            <a:ext cx="11567160" cy="3105466"/>
+          </a:xfrm>
+        </p:spPr>
+        <p:txBody>
+          <a:bodyPr/>
+          <a:lstStyle/>
+          <a:p>
+            <a:r>
+              <a:rPr lang="zh-CN" altLang="en-US" dirty="0"/>
+              <a:t>新 </a:t>
+            </a:r>
+            <a:r>
+              <a:rPr lang="en-US" altLang="zh-CN" dirty="0" err="1"/>
+              <a:t>ConstraintLayout</a:t>
+            </a:r>
+            <a:endParaRPr lang="en-US" altLang="zh-CN" dirty="0"/>
+          </a:p>
+          <a:p>
+            <a:pPr lvl="1"/>
+            <a:r>
+              <a:rPr lang="zh-CN" altLang="en-US" dirty="0"/>
+              <a:t>长久以来，</a:t>
+            </a:r>
+            <a:r>
+              <a:rPr lang="en-US" altLang="zh-CN" dirty="0"/>
+              <a:t>Android </a:t>
+            </a:r>
+            <a:r>
+              <a:rPr lang="zh-CN" altLang="en-US" dirty="0"/>
+              <a:t>一直在使用 </a:t>
+            </a:r>
+            <a:r>
+              <a:rPr lang="en-US" altLang="zh-CN" dirty="0"/>
+              <a:t>Linear Layout </a:t>
+            </a:r>
+            <a:r>
+              <a:rPr lang="zh-CN" altLang="en-US" dirty="0"/>
+              <a:t>等实现排版</a:t>
+            </a:r>
+            <a:endParaRPr lang="en-US" altLang="zh-CN" dirty="0"/>
+          </a:p>
+          <a:p>
+            <a:pPr lvl="1"/>
+            <a:r>
+              <a:rPr lang="zh-CN" altLang="en-US" dirty="0"/>
+              <a:t>从根源解决多屏幕适配问题</a:t>
+            </a:r>
+            <a:endParaRPr lang="en-US" altLang="zh-CN" dirty="0"/>
+          </a:p>
+          <a:p>
+            <a:r>
+              <a:rPr lang="zh-CN" altLang="en-US" dirty="0"/>
+              <a:t>基于 </a:t>
+            </a:r>
+            <a:r>
+              <a:rPr lang="en-US" altLang="zh-CN" dirty="0" err="1"/>
+              <a:t>PagerSnapHelper</a:t>
+            </a:r>
+            <a:r>
+              <a:rPr lang="en-US" altLang="zh-CN" dirty="0"/>
+              <a:t> </a:t>
+            </a:r>
+            <a:r>
+              <a:rPr lang="zh-CN" altLang="en-US" dirty="0"/>
+              <a:t>实现视频</a:t>
+            </a:r>
+            <a:endParaRPr lang="en-US" altLang="zh-CN" dirty="0"/>
+          </a:p>
+          <a:p>
+            <a:pPr lvl="1"/>
+            <a:r>
+              <a:rPr lang="zh-CN" altLang="en-US" dirty="0"/>
+              <a:t>避开了 </a:t>
+            </a:r>
+            <a:r>
+              <a:rPr lang="en-US" altLang="zh-CN" dirty="0" err="1"/>
+              <a:t>ViewPager</a:t>
+            </a:r>
+            <a:r>
+              <a:rPr lang="en-US" altLang="zh-CN" dirty="0"/>
+              <a:t> </a:t>
+            </a:r>
+            <a:r>
+              <a:rPr lang="zh-CN" altLang="en-US" dirty="0"/>
+              <a:t>设计上的问题</a:t>
+            </a:r>
+            <a:endParaRPr lang="en-US" altLang="zh-CN" dirty="0"/>
+          </a:p>
+          <a:p>
+            <a:pPr lvl="1"/>
+            <a:r>
+              <a:rPr lang="zh-CN" altLang="en-US" dirty="0"/>
+              <a:t>只需要在基础版本上稍作修改即可完成</a:t>
+            </a:r>
+            <a:endParaRPr lang="en-US" altLang="zh-CN" dirty="0"/>
+          </a:p>
+          <a:p>
+            <a:pPr lvl="1"/>
+            <a:r>
+              <a:rPr lang="zh-CN" altLang="en-US" dirty="0"/>
+              <a:t>编码简洁</a:t>
+            </a:r>
+            <a:endParaRPr lang="en-US" altLang="zh-CN" dirty="0"/>
+          </a:p>
+        </p:txBody>
+      </p:sp>
+      <p:sp>
+        <p:nvSpPr>
+          <p:cNvPr id="5" name="标题 4">
+            <a:extLst>
+              <a:ext uri="{FF2B5EF4-FFF2-40B4-BE49-F238E27FC236}">
+                <a16:creationId xmlns:a16="http://schemas.microsoft.com/office/drawing/2014/main" id="{7BBBB232-950F-4350-9BAE-80BA79EC0A22}"/>
+              </a:ext>
+            </a:extLst>
+          </p:cNvPr>
+          <p:cNvSpPr>
+            <a:spLocks noGrp="1"/>
+          </p:cNvSpPr>
+          <p:nvPr>
+            <p:ph type="title"/>
+          </p:nvPr>
+        </p:nvSpPr>
+        <p:spPr/>
+        <p:txBody>
+          <a:bodyPr/>
+          <a:lstStyle/>
+          <a:p>
+            <a:r>
+              <a:rPr lang="zh-CN" altLang="en-US" dirty="0"/>
+              <a:t>创新点</a:t>
+            </a:r>
+          </a:p>
+        </p:txBody>
+      </p:sp>
+    </p:spTree>
+    <p:extLst>
+      <p:ext uri="{BB962C8B-B14F-4D97-AF65-F5344CB8AC3E}">
+        <p14:creationId xmlns:p14="http://schemas.microsoft.com/office/powerpoint/2010/main" val="2468494512"/>
+      </p:ext>
+    </p:extLst>
+  </p:cSld>
+  <p:clrMapOvr>
+    <a:masterClrMapping/>
+  </p:clrMapOvr>
+  <p:transition>
+    <p:fade/>
+  </p:transition>
+</p:sld>
+</file>
+
 <file path=ppt/slides/slide8.xml><?xml version="1.0" encoding="utf-8"?>
 <p:sld xmlns:a="http://schemas.openxmlformats.org/drawingml/2006/main" xmlns:r="http://schemas.openxmlformats.org/officeDocument/2006/relationships" xmlns:p="http://schemas.openxmlformats.org/presentationml/2006/main">
   <p:cSld>
@@ -10537,7 +8354,7 @@
           <p:cNvPr id="6" name="文本占位符 5">
             <a:extLst>
               <a:ext uri="{FF2B5EF4-FFF2-40B4-BE49-F238E27FC236}">
-                <a16:creationId xmlns:a16="http://schemas.microsoft.com/office/drawing/2014/main" id="{0308E66F-30AD-49AC-A425-77654B4D791E}"/>
+                <a16:creationId xmlns:a16="http://schemas.microsoft.com/office/drawing/2014/main" id="{85332542-2DDA-45B0-BCF7-24EA940B6B83}"/>
               </a:ext>
             </a:extLst>
           </p:cNvPr>
@@ -10551,7 +8368,7 @@
         <p:spPr>
           <a:xfrm>
             <a:off x="446088" y="2184023"/>
-            <a:ext cx="11567160" cy="3105466"/>
+            <a:ext cx="11567160" cy="2578655"/>
           </a:xfrm>
         </p:spPr>
         <p:txBody>
@@ -10559,55 +8376,8 @@
           <a:lstStyle/>
           <a:p>
             <a:r>
-              <a:rPr lang="zh-CN" altLang="en-US" dirty="0"/>
-              <a:t>新 </a:t>
-            </a:r>
-            <a:r>
               <a:rPr lang="en-US" altLang="zh-CN" dirty="0" err="1"/>
-              <a:t>ConstraintLayout</a:t>
-            </a:r>
-            <a:endParaRPr lang="en-US" altLang="zh-CN" dirty="0"/>
-          </a:p>
-          <a:p>
-            <a:pPr lvl="1"/>
-            <a:r>
-              <a:rPr lang="zh-CN" altLang="en-US" dirty="0"/>
-              <a:t>长久以来，</a:t>
-            </a:r>
-            <a:r>
-              <a:rPr lang="en-US" altLang="zh-CN" dirty="0"/>
-              <a:t>Android </a:t>
-            </a:r>
-            <a:r>
-              <a:rPr lang="zh-CN" altLang="en-US" dirty="0"/>
-              <a:t>一直在使用 </a:t>
-            </a:r>
-            <a:r>
-              <a:rPr lang="en-US" altLang="zh-CN" dirty="0"/>
-              <a:t>Linear Layout </a:t>
-            </a:r>
-            <a:r>
-              <a:rPr lang="zh-CN" altLang="en-US" dirty="0"/>
-              <a:t>等实现排版</a:t>
-            </a:r>
-            <a:endParaRPr lang="en-US" altLang="zh-CN" dirty="0"/>
-          </a:p>
-          <a:p>
-            <a:pPr lvl="1"/>
-            <a:r>
-              <a:rPr lang="zh-CN" altLang="en-US" dirty="0"/>
-              <a:t>从根源解决多屏幕适配问题</a:t>
-            </a:r>
-            <a:endParaRPr lang="en-US" altLang="zh-CN" dirty="0"/>
-          </a:p>
-          <a:p>
-            <a:r>
-              <a:rPr lang="zh-CN" altLang="en-US" dirty="0"/>
-              <a:t>基于 </a:t>
-            </a:r>
-            <a:r>
-              <a:rPr lang="en-US" altLang="zh-CN" dirty="0" err="1"/>
-              <a:t>PagerSnapHelper</a:t>
+              <a:t>VideoView</a:t>
             </a:r>
             <a:r>
               <a:rPr lang="en-US" altLang="zh-CN" dirty="0"/>
@@ -10615,7 +8385,7 @@
             </a:r>
             <a:r>
               <a:rPr lang="zh-CN" altLang="en-US" dirty="0"/>
-              <a:t>实现视频</a:t>
+              <a:t>播放黑屏问题</a:t>
             </a:r>
             <a:endParaRPr lang="en-US" altLang="zh-CN" dirty="0"/>
           </a:p>
@@ -10623,11 +8393,11 @@
             <a:pPr lvl="1"/>
             <a:r>
               <a:rPr lang="zh-CN" altLang="en-US" dirty="0"/>
-              <a:t>避开了 </a:t>
+              <a:t>在实现可选需求时发现 </a:t>
             </a:r>
             <a:r>
               <a:rPr lang="en-US" altLang="zh-CN" dirty="0" err="1"/>
-              <a:t>ViewPager</a:t>
+              <a:t>VideoView</a:t>
             </a:r>
             <a:r>
               <a:rPr lang="en-US" altLang="zh-CN" dirty="0"/>
@@ -10635,7 +8405,7 @@
             </a:r>
             <a:r>
               <a:rPr lang="zh-CN" altLang="en-US" dirty="0"/>
-              <a:t>设计上的问题</a:t>
+              <a:t>播放时会黑屏一段时间，影响体验</a:t>
             </a:r>
             <a:endParaRPr lang="en-US" altLang="zh-CN" dirty="0"/>
           </a:p>
@@ -10643,7 +8413,15 @@
             <a:pPr lvl="1"/>
             <a:r>
               <a:rPr lang="zh-CN" altLang="en-US" dirty="0"/>
-              <a:t>只需要在基础版本上稍作修改即可完成</a:t>
+              <a:t>原因：下载</a:t>
+            </a:r>
+            <a:r>
+              <a:rPr lang="en-US" altLang="zh-CN" dirty="0"/>
+              <a:t>/</a:t>
+            </a:r>
+            <a:r>
+              <a:rPr lang="zh-CN" altLang="en-US" dirty="0"/>
+              <a:t>预处理视频需要时间</a:t>
             </a:r>
             <a:endParaRPr lang="en-US" altLang="zh-CN" dirty="0"/>
           </a:p>
@@ -10651,9 +8429,40 @@
             <a:pPr lvl="1"/>
             <a:r>
               <a:rPr lang="zh-CN" altLang="en-US" dirty="0"/>
-              <a:t>编码简洁</a:t>
+              <a:t>解决方案：</a:t>
             </a:r>
             <a:endParaRPr lang="en-US" altLang="zh-CN" dirty="0"/>
+          </a:p>
+          <a:p>
+            <a:pPr lvl="2"/>
+            <a:r>
+              <a:rPr lang="zh-CN" altLang="en-US" dirty="0"/>
+              <a:t>引入中间 </a:t>
+            </a:r>
+            <a:r>
+              <a:rPr lang="en-US" altLang="zh-CN" dirty="0"/>
+              <a:t>View </a:t>
+            </a:r>
+            <a:r>
+              <a:rPr lang="zh-CN" altLang="en-US" dirty="0"/>
+              <a:t>在视频加载时暂时显示第一帧</a:t>
+            </a:r>
+            <a:endParaRPr lang="en-US" altLang="zh-CN" dirty="0"/>
+          </a:p>
+          <a:p>
+            <a:pPr lvl="2"/>
+            <a:r>
+              <a:rPr lang="zh-CN" altLang="en-US" dirty="0"/>
+              <a:t>同时引入 </a:t>
+            </a:r>
+            <a:r>
+              <a:rPr lang="en-US" altLang="zh-CN" dirty="0"/>
+              <a:t>Glide </a:t>
+            </a:r>
+            <a:r>
+              <a:rPr lang="zh-CN" altLang="en-US" dirty="0"/>
+              <a:t>的预加载功能加速第一帧的获取，保障连贯</a:t>
+            </a:r>
           </a:p>
         </p:txBody>
       </p:sp>
@@ -10662,7 +8471,7 @@
           <p:cNvPr id="5" name="标题 4">
             <a:extLst>
               <a:ext uri="{FF2B5EF4-FFF2-40B4-BE49-F238E27FC236}">
-                <a16:creationId xmlns:a16="http://schemas.microsoft.com/office/drawing/2014/main" id="{7BBBB232-950F-4350-9BAE-80BA79EC0A22}"/>
+                <a16:creationId xmlns:a16="http://schemas.microsoft.com/office/drawing/2014/main" id="{2D65B894-4A58-4E6C-9267-24B215DF5FFC}"/>
               </a:ext>
             </a:extLst>
           </p:cNvPr>
@@ -10680,7 +8489,7 @@
           <a:p>
             <a:r>
               <a:rPr lang="zh-CN" altLang="en-US" dirty="0"/>
-              <a:t>创新点</a:t>
+              <a:t>难点</a:t>
             </a:r>
           </a:p>
         </p:txBody>
@@ -10688,7 +8497,7 @@
     </p:spTree>
     <p:extLst>
       <p:ext uri="{BB962C8B-B14F-4D97-AF65-F5344CB8AC3E}">
-        <p14:creationId xmlns:p14="http://schemas.microsoft.com/office/powerpoint/2010/main" val="2468494512"/>
+        <p14:creationId xmlns:p14="http://schemas.microsoft.com/office/powerpoint/2010/main" val="1534442370"/>
       </p:ext>
     </p:extLst>
   </p:cSld>
@@ -10720,127 +8529,10 @@
       </p:grpSpPr>
       <p:sp>
         <p:nvSpPr>
-          <p:cNvPr id="6" name="文本占位符 5">
+          <p:cNvPr id="5" name="Title 4">
             <a:extLst>
               <a:ext uri="{FF2B5EF4-FFF2-40B4-BE49-F238E27FC236}">
-                <a16:creationId xmlns:a16="http://schemas.microsoft.com/office/drawing/2014/main" id="{85332542-2DDA-45B0-BCF7-24EA940B6B83}"/>
-              </a:ext>
-            </a:extLst>
-          </p:cNvPr>
-          <p:cNvSpPr>
-            <a:spLocks noGrp="1"/>
-          </p:cNvSpPr>
-          <p:nvPr>
-            <p:ph type="body" sz="quarter" idx="10"/>
-          </p:nvPr>
-        </p:nvSpPr>
-        <p:spPr>
-          <a:xfrm>
-            <a:off x="446088" y="2184023"/>
-            <a:ext cx="11567160" cy="2578655"/>
-          </a:xfrm>
-        </p:spPr>
-        <p:txBody>
-          <a:bodyPr/>
-          <a:lstStyle/>
-          <a:p>
-            <a:r>
-              <a:rPr lang="en-US" altLang="zh-CN" dirty="0" err="1"/>
-              <a:t>VideoView</a:t>
-            </a:r>
-            <a:r>
-              <a:rPr lang="en-US" altLang="zh-CN" dirty="0"/>
-              <a:t> </a:t>
-            </a:r>
-            <a:r>
-              <a:rPr lang="zh-CN" altLang="en-US" dirty="0"/>
-              <a:t>播放黑屏问题</a:t>
-            </a:r>
-            <a:endParaRPr lang="en-US" altLang="zh-CN" dirty="0"/>
-          </a:p>
-          <a:p>
-            <a:pPr lvl="1"/>
-            <a:r>
-              <a:rPr lang="zh-CN" altLang="en-US" dirty="0"/>
-              <a:t>在实现可选需求时发现 </a:t>
-            </a:r>
-            <a:r>
-              <a:rPr lang="en-US" altLang="zh-CN" dirty="0" err="1"/>
-              <a:t>VideoView</a:t>
-            </a:r>
-            <a:r>
-              <a:rPr lang="en-US" altLang="zh-CN" dirty="0"/>
-              <a:t> </a:t>
-            </a:r>
-            <a:r>
-              <a:rPr lang="zh-CN" altLang="en-US" dirty="0"/>
-              <a:t>播放时会黑屏一段时间，影响体验</a:t>
-            </a:r>
-            <a:endParaRPr lang="en-US" altLang="zh-CN" dirty="0"/>
-          </a:p>
-          <a:p>
-            <a:pPr lvl="1"/>
-            <a:r>
-              <a:rPr lang="zh-CN" altLang="en-US" dirty="0"/>
-              <a:t>原因：下载</a:t>
-            </a:r>
-            <a:r>
-              <a:rPr lang="en-US" altLang="zh-CN" dirty="0"/>
-              <a:t>/</a:t>
-            </a:r>
-            <a:r>
-              <a:rPr lang="zh-CN" altLang="en-US" dirty="0"/>
-              <a:t>预处理视频需要时间</a:t>
-            </a:r>
-            <a:endParaRPr lang="en-US" altLang="zh-CN" dirty="0"/>
-          </a:p>
-          <a:p>
-            <a:pPr lvl="1"/>
-            <a:r>
-              <a:rPr lang="zh-CN" altLang="en-US" dirty="0"/>
-              <a:t>解决方案：</a:t>
-            </a:r>
-            <a:endParaRPr lang="en-US" altLang="zh-CN" dirty="0"/>
-          </a:p>
-          <a:p>
-            <a:pPr lvl="2"/>
-            <a:r>
-              <a:rPr lang="zh-CN" altLang="en-US" dirty="0"/>
-              <a:t>引入中间 </a:t>
-            </a:r>
-            <a:r>
-              <a:rPr lang="en-US" altLang="zh-CN" dirty="0"/>
-              <a:t>View </a:t>
-            </a:r>
-            <a:r>
-              <a:rPr lang="zh-CN" altLang="en-US" dirty="0"/>
-              <a:t>在视频加载时暂时显示第一帧</a:t>
-            </a:r>
-            <a:endParaRPr lang="en-US" altLang="zh-CN" dirty="0"/>
-          </a:p>
-          <a:p>
-            <a:pPr lvl="2"/>
-            <a:r>
-              <a:rPr lang="zh-CN" altLang="en-US" dirty="0"/>
-              <a:t>同时引入 </a:t>
-            </a:r>
-            <a:r>
-              <a:rPr lang="en-US" altLang="zh-CN" dirty="0"/>
-              <a:t>Glide </a:t>
-            </a:r>
-            <a:r>
-              <a:rPr lang="zh-CN" altLang="en-US" dirty="0"/>
-              <a:t>的预加载功能加速第一帧的获取，保障连贯</a:t>
-            </a:r>
-          </a:p>
-        </p:txBody>
-      </p:sp>
-      <p:sp>
-        <p:nvSpPr>
-          <p:cNvPr id="5" name="标题 4">
-            <a:extLst>
-              <a:ext uri="{FF2B5EF4-FFF2-40B4-BE49-F238E27FC236}">
-                <a16:creationId xmlns:a16="http://schemas.microsoft.com/office/drawing/2014/main" id="{2D65B894-4A58-4E6C-9267-24B215DF5FFC}"/>
+                <a16:creationId xmlns:a16="http://schemas.microsoft.com/office/drawing/2014/main" id="{70AE714E-1883-494F-9ADD-A3CFCC49A8A2}"/>
               </a:ext>
             </a:extLst>
           </p:cNvPr>
@@ -10857,8 +8549,8 @@
           <a:lstStyle/>
           <a:p>
             <a:r>
-              <a:rPr lang="zh-CN" altLang="en-US" dirty="0"/>
-              <a:t>难点</a:t>
+              <a:rPr lang="en-US" dirty="0"/>
+              <a:t>Thank you.</a:t>
             </a:r>
           </a:p>
         </p:txBody>
@@ -10866,16 +8558,25 @@
     </p:spTree>
     <p:extLst>
       <p:ext uri="{BB962C8B-B14F-4D97-AF65-F5344CB8AC3E}">
-        <p14:creationId xmlns:p14="http://schemas.microsoft.com/office/powerpoint/2010/main" val="1534442370"/>
+        <p14:creationId xmlns:p14="http://schemas.microsoft.com/office/powerpoint/2010/main" val="1876972166"/>
       </p:ext>
     </p:extLst>
   </p:cSld>
   <p:clrMapOvr>
     <a:masterClrMapping/>
   </p:clrMapOvr>
-  <p:transition>
-    <p:fade/>
-  </p:transition>
+  <mc:AlternateContent xmlns:mc="http://schemas.openxmlformats.org/markup-compatibility/2006" xmlns:p14="http://schemas.microsoft.com/office/powerpoint/2010/main">
+    <mc:Choice Requires="p14">
+      <p:transition spd="med" p14:dur="700">
+        <p:fade/>
+      </p:transition>
+    </mc:Choice>
+    <mc:Fallback xmlns="">
+      <p:transition spd="med">
+        <p:fade/>
+      </p:transition>
+    </mc:Fallback>
+  </mc:AlternateContent>
 </p:sld>
 </file>
 
